--- a/rel-unity-src/xr_scene/xr_scene.pptx
+++ b/rel-unity-src/xr_scene/xr_scene.pptx
@@ -9,6 +9,7 @@
     <p:sldId id="3037" r:id="rId3"/>
     <p:sldId id="3033" r:id="rId4"/>
     <p:sldId id="3039" r:id="rId5"/>
+    <p:sldId id="3040" r:id="rId6"/>
   </p:sldIdLst>
   <p:sldSz cx="12192000" cy="6858000"/>
   <p:notesSz cx="6858000" cy="9144000"/>
@@ -118,7 +119,7 @@
 <file path=ppt/revisionInfo.xml><?xml version="1.0" encoding="utf-8"?>
 <p1510:revInfo xmlns:a="http://schemas.openxmlformats.org/drawingml/2006/main" xmlns:r="http://schemas.openxmlformats.org/officeDocument/2006/relationships" xmlns:p1510="http://schemas.microsoft.com/office/powerpoint/2015/10/main">
   <p1510:revLst>
-    <p1510:client id="{50DF5207-F6DE-4AE3-B6D7-98A5A253B28B}" v="21" dt="2022-11-08T14:54:21.316"/>
+    <p1510:client id="{50DF5207-F6DE-4AE3-B6D7-98A5A253B28B}" v="26" dt="2022-11-08T22:35:24.858"/>
   </p1510:revLst>
 </p1510:revInfo>
 </file>
@@ -127,11 +128,26 @@
 <pc:chgInfo xmlns:a="http://schemas.openxmlformats.org/drawingml/2006/main" xmlns:r="http://schemas.openxmlformats.org/officeDocument/2006/relationships" xmlns:ac="http://schemas.microsoft.com/office/drawing/2013/main/command" xmlns:pc="http://schemas.microsoft.com/office/powerpoint/2013/main/command">
   <pc:docChgLst>
     <pc:chgData name="Thomas O Fredericks" userId="9a40f032a9b16fc7" providerId="LiveId" clId="{50DF5207-F6DE-4AE3-B6D7-98A5A253B28B}"/>
-    <pc:docChg chg="undo modSld">
-      <pc:chgData name="Thomas O Fredericks" userId="9a40f032a9b16fc7" providerId="LiveId" clId="{50DF5207-F6DE-4AE3-B6D7-98A5A253B28B}" dt="2022-11-08T14:54:26.120" v="73" actId="1076"/>
+    <pc:docChg chg="undo addSld modSld">
+      <pc:chgData name="Thomas O Fredericks" userId="9a40f032a9b16fc7" providerId="LiveId" clId="{50DF5207-F6DE-4AE3-B6D7-98A5A253B28B}" dt="2022-11-08T22:35:30.994" v="90" actId="14100"/>
       <pc:docMkLst>
         <pc:docMk/>
       </pc:docMkLst>
+      <pc:sldChg chg="modSp">
+        <pc:chgData name="Thomas O Fredericks" userId="9a40f032a9b16fc7" providerId="LiveId" clId="{50DF5207-F6DE-4AE3-B6D7-98A5A253B28B}" dt="2022-11-08T22:35:15.052" v="84" actId="1076"/>
+        <pc:sldMkLst>
+          <pc:docMk/>
+          <pc:sldMk cId="1607099928" sldId="3033"/>
+        </pc:sldMkLst>
+        <pc:picChg chg="mod">
+          <ac:chgData name="Thomas O Fredericks" userId="9a40f032a9b16fc7" providerId="LiveId" clId="{50DF5207-F6DE-4AE3-B6D7-98A5A253B28B}" dt="2022-11-08T22:35:15.052" v="84" actId="1076"/>
+          <ac:picMkLst>
+            <pc:docMk/>
+            <pc:sldMk cId="1607099928" sldId="3033"/>
+            <ac:picMk id="2" creationId="{614E862F-1D1B-4A3D-90E1-85204D3BB6D4}"/>
+          </ac:picMkLst>
+        </pc:picChg>
+      </pc:sldChg>
       <pc:sldChg chg="addSp modSp">
         <pc:chgData name="Thomas O Fredericks" userId="9a40f032a9b16fc7" providerId="LiveId" clId="{50DF5207-F6DE-4AE3-B6D7-98A5A253B28B}" dt="2022-11-08T14:53:21.699" v="68" actId="1076"/>
         <pc:sldMkLst>
@@ -241,6 +257,45 @@
             <ac:spMk id="5" creationId="{0E4B4AD6-26BB-49A5-AC62-2266D87096B3}"/>
           </ac:spMkLst>
         </pc:spChg>
+      </pc:sldChg>
+      <pc:sldChg chg="addSp modSp add">
+        <pc:chgData name="Thomas O Fredericks" userId="9a40f032a9b16fc7" providerId="LiveId" clId="{50DF5207-F6DE-4AE3-B6D7-98A5A253B28B}" dt="2022-11-08T22:35:30.994" v="90" actId="14100"/>
+        <pc:sldMkLst>
+          <pc:docMk/>
+          <pc:sldMk cId="1904504531" sldId="3040"/>
+        </pc:sldMkLst>
+        <pc:spChg chg="add mod">
+          <ac:chgData name="Thomas O Fredericks" userId="9a40f032a9b16fc7" providerId="LiveId" clId="{50DF5207-F6DE-4AE3-B6D7-98A5A253B28B}" dt="2022-11-08T22:35:12.607" v="82" actId="14100"/>
+          <ac:spMkLst>
+            <pc:docMk/>
+            <pc:sldMk cId="1904504531" sldId="3040"/>
+            <ac:spMk id="3" creationId="{32C63946-E074-4E10-B835-3345983B49E5}"/>
+          </ac:spMkLst>
+        </pc:spChg>
+        <pc:picChg chg="add mod">
+          <ac:chgData name="Thomas O Fredericks" userId="9a40f032a9b16fc7" providerId="LiveId" clId="{50DF5207-F6DE-4AE3-B6D7-98A5A253B28B}" dt="2022-11-08T22:35:03.671" v="78" actId="1076"/>
+          <ac:picMkLst>
+            <pc:docMk/>
+            <pc:sldMk cId="1904504531" sldId="3040"/>
+            <ac:picMk id="2" creationId="{74ADBADF-5B96-4D8E-8544-AE247EC531DA}"/>
+          </ac:picMkLst>
+        </pc:picChg>
+        <pc:cxnChg chg="add mod">
+          <ac:chgData name="Thomas O Fredericks" userId="9a40f032a9b16fc7" providerId="LiveId" clId="{50DF5207-F6DE-4AE3-B6D7-98A5A253B28B}" dt="2022-11-08T22:35:22.932" v="87" actId="14100"/>
+          <ac:cxnSpMkLst>
+            <pc:docMk/>
+            <pc:sldMk cId="1904504531" sldId="3040"/>
+            <ac:cxnSpMk id="4" creationId="{4303DEEC-6447-483D-91C8-95071FD32F5E}"/>
+          </ac:cxnSpMkLst>
+        </pc:cxnChg>
+        <pc:cxnChg chg="add mod">
+          <ac:chgData name="Thomas O Fredericks" userId="9a40f032a9b16fc7" providerId="LiveId" clId="{50DF5207-F6DE-4AE3-B6D7-98A5A253B28B}" dt="2022-11-08T22:35:30.994" v="90" actId="14100"/>
+          <ac:cxnSpMkLst>
+            <pc:docMk/>
+            <pc:sldMk cId="1904504531" sldId="3040"/>
+            <ac:cxnSpMk id="7" creationId="{3BD45271-173F-4FB7-ADA5-438C461FE3BE}"/>
+          </ac:cxnSpMkLst>
+        </pc:cxnChg>
       </pc:sldChg>
     </pc:docChg>
   </pc:docChgLst>
@@ -4145,6 +4200,200 @@
 </p:sld>
 </file>
 
+<file path=ppt/slides/slide5.xml><?xml version="1.0" encoding="utf-8"?>
+<p:sld xmlns:a="http://schemas.openxmlformats.org/drawingml/2006/main" xmlns:r="http://schemas.openxmlformats.org/officeDocument/2006/relationships" xmlns:p="http://schemas.openxmlformats.org/presentationml/2006/main">
+  <p:cSld>
+    <p:spTree>
+      <p:nvGrpSpPr>
+        <p:cNvPr id="1" name=""/>
+        <p:cNvGrpSpPr/>
+        <p:nvPr/>
+      </p:nvGrpSpPr>
+      <p:grpSpPr>
+        <a:xfrm>
+          <a:off x="0" y="0"/>
+          <a:ext cx="0" cy="0"/>
+          <a:chOff x="0" y="0"/>
+          <a:chExt cx="0" cy="0"/>
+        </a:xfrm>
+      </p:grpSpPr>
+      <p:pic>
+        <p:nvPicPr>
+          <p:cNvPr id="2" name="Image 1">
+            <a:extLst>
+              <a:ext uri="{FF2B5EF4-FFF2-40B4-BE49-F238E27FC236}">
+                <a16:creationId xmlns:a16="http://schemas.microsoft.com/office/drawing/2014/main" id="{74ADBADF-5B96-4D8E-8544-AE247EC531DA}"/>
+              </a:ext>
+            </a:extLst>
+          </p:cNvPr>
+          <p:cNvPicPr>
+            <a:picLocks noChangeAspect="1"/>
+          </p:cNvPicPr>
+          <p:nvPr/>
+        </p:nvPicPr>
+        <p:blipFill>
+          <a:blip r:embed="rId2"/>
+          <a:stretch>
+            <a:fillRect/>
+          </a:stretch>
+        </p:blipFill>
+        <p:spPr>
+          <a:xfrm>
+            <a:off x="2018731" y="271022"/>
+            <a:ext cx="8154538" cy="6315956"/>
+          </a:xfrm>
+          <a:prstGeom prst="rect">
+            <a:avLst/>
+          </a:prstGeom>
+        </p:spPr>
+      </p:pic>
+      <p:sp>
+        <p:nvSpPr>
+          <p:cNvPr id="3" name="Rectangle : coins arrondis 2">
+            <a:extLst>
+              <a:ext uri="{FF2B5EF4-FFF2-40B4-BE49-F238E27FC236}">
+                <a16:creationId xmlns:a16="http://schemas.microsoft.com/office/drawing/2014/main" id="{32C63946-E074-4E10-B835-3345983B49E5}"/>
+              </a:ext>
+            </a:extLst>
+          </p:cNvPr>
+          <p:cNvSpPr/>
+          <p:nvPr/>
+        </p:nvSpPr>
+        <p:spPr>
+          <a:xfrm>
+            <a:off x="5594435" y="1731754"/>
+            <a:ext cx="2502161" cy="579184"/>
+          </a:xfrm>
+          <a:prstGeom prst="roundRect">
+            <a:avLst/>
+          </a:prstGeom>
+          <a:noFill/>
+          <a:ln w="38100">
+            <a:solidFill>
+              <a:schemeClr val="accent1"/>
+            </a:solidFill>
+          </a:ln>
+        </p:spPr>
+        <p:style>
+          <a:lnRef idx="2">
+            <a:schemeClr val="accent1">
+              <a:shade val="50000"/>
+            </a:schemeClr>
+          </a:lnRef>
+          <a:fillRef idx="1">
+            <a:schemeClr val="accent1"/>
+          </a:fillRef>
+          <a:effectRef idx="0">
+            <a:schemeClr val="accent1"/>
+          </a:effectRef>
+          <a:fontRef idx="minor">
+            <a:schemeClr val="lt1"/>
+          </a:fontRef>
+        </p:style>
+        <p:txBody>
+          <a:bodyPr rtlCol="0" anchor="ctr"/>
+          <a:lstStyle/>
+          <a:p>
+            <a:pPr algn="ctr"/>
+            <a:endParaRPr lang="fr-CA"/>
+          </a:p>
+        </p:txBody>
+      </p:sp>
+      <p:cxnSp>
+        <p:nvCxnSpPr>
+          <p:cNvPr id="4" name="Connecteur droit avec flèche 3">
+            <a:extLst>
+              <a:ext uri="{FF2B5EF4-FFF2-40B4-BE49-F238E27FC236}">
+                <a16:creationId xmlns:a16="http://schemas.microsoft.com/office/drawing/2014/main" id="{4303DEEC-6447-483D-91C8-95071FD32F5E}"/>
+              </a:ext>
+            </a:extLst>
+          </p:cNvPr>
+          <p:cNvCxnSpPr>
+            <a:cxnSpLocks/>
+          </p:cNvCxnSpPr>
+          <p:nvPr/>
+        </p:nvCxnSpPr>
+        <p:spPr>
+          <a:xfrm>
+            <a:off x="3566160" y="789709"/>
+            <a:ext cx="1945178" cy="1030778"/>
+          </a:xfrm>
+          <a:prstGeom prst="straightConnector1">
+            <a:avLst/>
+          </a:prstGeom>
+          <a:ln w="57150">
+            <a:tailEnd type="triangle"/>
+          </a:ln>
+        </p:spPr>
+        <p:style>
+          <a:lnRef idx="1">
+            <a:schemeClr val="accent1"/>
+          </a:lnRef>
+          <a:fillRef idx="0">
+            <a:schemeClr val="accent1"/>
+          </a:fillRef>
+          <a:effectRef idx="0">
+            <a:schemeClr val="accent1"/>
+          </a:effectRef>
+          <a:fontRef idx="minor">
+            <a:schemeClr val="tx1"/>
+          </a:fontRef>
+        </p:style>
+      </p:cxnSp>
+      <p:cxnSp>
+        <p:nvCxnSpPr>
+          <p:cNvPr id="7" name="Connecteur droit avec flèche 6">
+            <a:extLst>
+              <a:ext uri="{FF2B5EF4-FFF2-40B4-BE49-F238E27FC236}">
+                <a16:creationId xmlns:a16="http://schemas.microsoft.com/office/drawing/2014/main" id="{3BD45271-173F-4FB7-ADA5-438C461FE3BE}"/>
+              </a:ext>
+            </a:extLst>
+          </p:cNvPr>
+          <p:cNvCxnSpPr>
+            <a:cxnSpLocks/>
+          </p:cNvCxnSpPr>
+          <p:nvPr/>
+        </p:nvCxnSpPr>
+        <p:spPr>
+          <a:xfrm>
+            <a:off x="6478386" y="2398222"/>
+            <a:ext cx="1003069" cy="3570316"/>
+          </a:xfrm>
+          <a:prstGeom prst="straightConnector1">
+            <a:avLst/>
+          </a:prstGeom>
+          <a:ln w="57150">
+            <a:tailEnd type="triangle"/>
+          </a:ln>
+        </p:spPr>
+        <p:style>
+          <a:lnRef idx="1">
+            <a:schemeClr val="accent1"/>
+          </a:lnRef>
+          <a:fillRef idx="0">
+            <a:schemeClr val="accent1"/>
+          </a:fillRef>
+          <a:effectRef idx="0">
+            <a:schemeClr val="accent1"/>
+          </a:effectRef>
+          <a:fontRef idx="minor">
+            <a:schemeClr val="tx1"/>
+          </a:fontRef>
+        </p:style>
+      </p:cxnSp>
+    </p:spTree>
+    <p:extLst>
+      <p:ext uri="{BB962C8B-B14F-4D97-AF65-F5344CB8AC3E}">
+        <p14:creationId xmlns:p14="http://schemas.microsoft.com/office/powerpoint/2010/main" val="1904504531"/>
+      </p:ext>
+    </p:extLst>
+  </p:cSld>
+  <p:clrMapOvr>
+    <a:masterClrMapping/>
+  </p:clrMapOvr>
+</p:sld>
+</file>
+
 <file path=ppt/theme/theme1.xml><?xml version="1.0" encoding="utf-8"?>
 <a:theme xmlns:a="http://schemas.openxmlformats.org/drawingml/2006/main" name="Office Theme">
   <a:themeElements>

--- a/rel-unity-src/xr_scene/xr_scene.pptx
+++ b/rel-unity-src/xr_scene/xr_scene.pptx
@@ -10,6 +10,8 @@
     <p:sldId id="3033" r:id="rId4"/>
     <p:sldId id="3039" r:id="rId5"/>
     <p:sldId id="3040" r:id="rId6"/>
+    <p:sldId id="3041" r:id="rId7"/>
+    <p:sldId id="3042" r:id="rId8"/>
   </p:sldIdLst>
   <p:sldSz cx="12192000" cy="6858000"/>
   <p:notesSz cx="6858000" cy="9144000"/>
@@ -119,7 +121,7 @@
 <file path=ppt/revisionInfo.xml><?xml version="1.0" encoding="utf-8"?>
 <p1510:revInfo xmlns:a="http://schemas.openxmlformats.org/drawingml/2006/main" xmlns:r="http://schemas.openxmlformats.org/officeDocument/2006/relationships" xmlns:p1510="http://schemas.microsoft.com/office/powerpoint/2015/10/main">
   <p1510:revLst>
-    <p1510:client id="{50DF5207-F6DE-4AE3-B6D7-98A5A253B28B}" v="26" dt="2022-11-08T22:35:24.858"/>
+    <p1510:client id="{50DF5207-F6DE-4AE3-B6D7-98A5A253B28B}" v="42" dt="2022-11-10T20:57:16.032"/>
   </p1510:revLst>
 </p1510:revInfo>
 </file>
@@ -128,8 +130,8 @@
 <pc:chgInfo xmlns:a="http://schemas.openxmlformats.org/drawingml/2006/main" xmlns:r="http://schemas.openxmlformats.org/officeDocument/2006/relationships" xmlns:ac="http://schemas.microsoft.com/office/drawing/2013/main/command" xmlns:pc="http://schemas.microsoft.com/office/powerpoint/2013/main/command">
   <pc:docChgLst>
     <pc:chgData name="Thomas O Fredericks" userId="9a40f032a9b16fc7" providerId="LiveId" clId="{50DF5207-F6DE-4AE3-B6D7-98A5A253B28B}"/>
-    <pc:docChg chg="undo addSld modSld">
-      <pc:chgData name="Thomas O Fredericks" userId="9a40f032a9b16fc7" providerId="LiveId" clId="{50DF5207-F6DE-4AE3-B6D7-98A5A253B28B}" dt="2022-11-08T22:35:30.994" v="90" actId="14100"/>
+    <pc:docChg chg="undo custSel addSld modSld">
+      <pc:chgData name="Thomas O Fredericks" userId="9a40f032a9b16fc7" providerId="LiveId" clId="{50DF5207-F6DE-4AE3-B6D7-98A5A253B28B}" dt="2022-11-10T20:57:58.741" v="207" actId="1076"/>
       <pc:docMkLst>
         <pc:docMk/>
       </pc:docMkLst>
@@ -297,6 +299,180 @@
           </ac:cxnSpMkLst>
         </pc:cxnChg>
       </pc:sldChg>
+      <pc:sldChg chg="addSp delSp modSp add">
+        <pc:chgData name="Thomas O Fredericks" userId="9a40f032a9b16fc7" providerId="LiveId" clId="{50DF5207-F6DE-4AE3-B6D7-98A5A253B28B}" dt="2022-11-10T20:56:26.645" v="150" actId="478"/>
+        <pc:sldMkLst>
+          <pc:docMk/>
+          <pc:sldMk cId="2516139883" sldId="3041"/>
+        </pc:sldMkLst>
+        <pc:spChg chg="add mod">
+          <ac:chgData name="Thomas O Fredericks" userId="9a40f032a9b16fc7" providerId="LiveId" clId="{50DF5207-F6DE-4AE3-B6D7-98A5A253B28B}" dt="2022-11-10T20:53:47.840" v="99" actId="14100"/>
+          <ac:spMkLst>
+            <pc:docMk/>
+            <pc:sldMk cId="2516139883" sldId="3041"/>
+            <ac:spMk id="4" creationId="{F59D8B6F-BC05-431F-893E-178FBFE50C6E}"/>
+          </ac:spMkLst>
+        </pc:spChg>
+        <pc:spChg chg="add del mod">
+          <ac:chgData name="Thomas O Fredericks" userId="9a40f032a9b16fc7" providerId="LiveId" clId="{50DF5207-F6DE-4AE3-B6D7-98A5A253B28B}" dt="2022-11-10T20:54:18.092" v="108" actId="478"/>
+          <ac:spMkLst>
+            <pc:docMk/>
+            <pc:sldMk cId="2516139883" sldId="3041"/>
+            <ac:spMk id="5" creationId="{00F6428F-9038-498B-BE6E-A4844E45666B}"/>
+          </ac:spMkLst>
+        </pc:spChg>
+        <pc:spChg chg="add mod">
+          <ac:chgData name="Thomas O Fredericks" userId="9a40f032a9b16fc7" providerId="LiveId" clId="{50DF5207-F6DE-4AE3-B6D7-98A5A253B28B}" dt="2022-11-10T20:54:28.485" v="111" actId="14100"/>
+          <ac:spMkLst>
+            <pc:docMk/>
+            <pc:sldMk cId="2516139883" sldId="3041"/>
+            <ac:spMk id="6" creationId="{92C2F25B-98E1-4635-B3C8-E95E01D24AC6}"/>
+          </ac:spMkLst>
+        </pc:spChg>
+        <pc:spChg chg="add mod">
+          <ac:chgData name="Thomas O Fredericks" userId="9a40f032a9b16fc7" providerId="LiveId" clId="{50DF5207-F6DE-4AE3-B6D7-98A5A253B28B}" dt="2022-11-10T20:55:01.837" v="127" actId="14100"/>
+          <ac:spMkLst>
+            <pc:docMk/>
+            <pc:sldMk cId="2516139883" sldId="3041"/>
+            <ac:spMk id="7" creationId="{B06A0927-1E19-47CF-8A73-9CC2F4AE33C2}"/>
+          </ac:spMkLst>
+        </pc:spChg>
+        <pc:spChg chg="add mod">
+          <ac:chgData name="Thomas O Fredericks" userId="9a40f032a9b16fc7" providerId="LiveId" clId="{50DF5207-F6DE-4AE3-B6D7-98A5A253B28B}" dt="2022-11-10T20:55:06.373" v="128" actId="14100"/>
+          <ac:spMkLst>
+            <pc:docMk/>
+            <pc:sldMk cId="2516139883" sldId="3041"/>
+            <ac:spMk id="8" creationId="{49DAD02C-0653-45D3-8112-C2DBE1CA46D6}"/>
+          </ac:spMkLst>
+        </pc:spChg>
+        <pc:spChg chg="add mod">
+          <ac:chgData name="Thomas O Fredericks" userId="9a40f032a9b16fc7" providerId="LiveId" clId="{50DF5207-F6DE-4AE3-B6D7-98A5A253B28B}" dt="2022-11-10T20:55:43.733" v="130" actId="1076"/>
+          <ac:spMkLst>
+            <pc:docMk/>
+            <pc:sldMk cId="2516139883" sldId="3041"/>
+            <ac:spMk id="9" creationId="{DC1D39DF-DCF7-4A04-AA1E-A93BDC8A7098}"/>
+          </ac:spMkLst>
+        </pc:spChg>
+        <pc:spChg chg="add mod">
+          <ac:chgData name="Thomas O Fredericks" userId="9a40f032a9b16fc7" providerId="LiveId" clId="{50DF5207-F6DE-4AE3-B6D7-98A5A253B28B}" dt="2022-11-10T20:55:51.749" v="134" actId="1076"/>
+          <ac:spMkLst>
+            <pc:docMk/>
+            <pc:sldMk cId="2516139883" sldId="3041"/>
+            <ac:spMk id="10" creationId="{6BAABC95-EFE0-4528-9A4C-3D0DEB1CFB5C}"/>
+          </ac:spMkLst>
+        </pc:spChg>
+        <pc:spChg chg="add mod">
+          <ac:chgData name="Thomas O Fredericks" userId="9a40f032a9b16fc7" providerId="LiveId" clId="{50DF5207-F6DE-4AE3-B6D7-98A5A253B28B}" dt="2022-11-10T20:55:57.638" v="137" actId="20577"/>
+          <ac:spMkLst>
+            <pc:docMk/>
+            <pc:sldMk cId="2516139883" sldId="3041"/>
+            <ac:spMk id="11" creationId="{F9394CDB-6BAE-4396-B8A1-FCB80EFB284D}"/>
+          </ac:spMkLst>
+        </pc:spChg>
+        <pc:spChg chg="add del mod">
+          <ac:chgData name="Thomas O Fredericks" userId="9a40f032a9b16fc7" providerId="LiveId" clId="{50DF5207-F6DE-4AE3-B6D7-98A5A253B28B}" dt="2022-11-10T20:56:26.645" v="150" actId="478"/>
+          <ac:spMkLst>
+            <pc:docMk/>
+            <pc:sldMk cId="2516139883" sldId="3041"/>
+            <ac:spMk id="12" creationId="{ED0B75F0-54CC-41AC-A472-EAB1C27CB7B1}"/>
+          </ac:spMkLst>
+        </pc:spChg>
+        <pc:picChg chg="add del mod">
+          <ac:chgData name="Thomas O Fredericks" userId="9a40f032a9b16fc7" providerId="LiveId" clId="{50DF5207-F6DE-4AE3-B6D7-98A5A253B28B}" dt="2022-11-10T20:56:24.849" v="149" actId="478"/>
+          <ac:picMkLst>
+            <pc:docMk/>
+            <pc:sldMk cId="2516139883" sldId="3041"/>
+            <ac:picMk id="2" creationId="{0EBB115C-E725-4624-AFBB-3C9FE2AB021A}"/>
+          </ac:picMkLst>
+        </pc:picChg>
+        <pc:picChg chg="add mod">
+          <ac:chgData name="Thomas O Fredericks" userId="9a40f032a9b16fc7" providerId="LiveId" clId="{50DF5207-F6DE-4AE3-B6D7-98A5A253B28B}" dt="2022-11-10T20:53:31.549" v="96" actId="1076"/>
+          <ac:picMkLst>
+            <pc:docMk/>
+            <pc:sldMk cId="2516139883" sldId="3041"/>
+            <ac:picMk id="3" creationId="{7A5ACBCD-A181-4A88-82D0-051ED6CC5C26}"/>
+          </ac:picMkLst>
+        </pc:picChg>
+      </pc:sldChg>
+      <pc:sldChg chg="addSp modSp add">
+        <pc:chgData name="Thomas O Fredericks" userId="9a40f032a9b16fc7" providerId="LiveId" clId="{50DF5207-F6DE-4AE3-B6D7-98A5A253B28B}" dt="2022-11-10T20:57:58.741" v="207" actId="1076"/>
+        <pc:sldMkLst>
+          <pc:docMk/>
+          <pc:sldMk cId="255712054" sldId="3042"/>
+        </pc:sldMkLst>
+        <pc:spChg chg="add mod">
+          <ac:chgData name="Thomas O Fredericks" userId="9a40f032a9b16fc7" providerId="LiveId" clId="{50DF5207-F6DE-4AE3-B6D7-98A5A253B28B}" dt="2022-11-10T20:57:39.004" v="203" actId="1035"/>
+          <ac:spMkLst>
+            <pc:docMk/>
+            <pc:sldMk cId="255712054" sldId="3042"/>
+            <ac:spMk id="4" creationId="{1C6060B8-97B1-4BF0-B67D-64CEC50B13CB}"/>
+          </ac:spMkLst>
+        </pc:spChg>
+        <pc:spChg chg="add mod">
+          <ac:chgData name="Thomas O Fredericks" userId="9a40f032a9b16fc7" providerId="LiveId" clId="{50DF5207-F6DE-4AE3-B6D7-98A5A253B28B}" dt="2022-11-10T20:57:21.373" v="168" actId="1037"/>
+          <ac:spMkLst>
+            <pc:docMk/>
+            <pc:sldMk cId="255712054" sldId="3042"/>
+            <ac:spMk id="5" creationId="{DB714080-C2DE-48DB-A740-4D34CAEF0B3D}"/>
+          </ac:spMkLst>
+        </pc:spChg>
+        <pc:spChg chg="add mod">
+          <ac:chgData name="Thomas O Fredericks" userId="9a40f032a9b16fc7" providerId="LiveId" clId="{50DF5207-F6DE-4AE3-B6D7-98A5A253B28B}" dt="2022-11-10T20:57:46.188" v="205" actId="1076"/>
+          <ac:spMkLst>
+            <pc:docMk/>
+            <pc:sldMk cId="255712054" sldId="3042"/>
+            <ac:spMk id="6" creationId="{CED20F45-914E-4CB8-A1AD-F37AB407A674}"/>
+          </ac:spMkLst>
+        </pc:spChg>
+        <pc:spChg chg="add mod">
+          <ac:chgData name="Thomas O Fredericks" userId="9a40f032a9b16fc7" providerId="LiveId" clId="{50DF5207-F6DE-4AE3-B6D7-98A5A253B28B}" dt="2022-11-10T20:57:58.741" v="207" actId="1076"/>
+          <ac:spMkLst>
+            <pc:docMk/>
+            <pc:sldMk cId="255712054" sldId="3042"/>
+            <ac:spMk id="7" creationId="{75EE0A4B-BEB5-48F2-8997-E28B1F628148}"/>
+          </ac:spMkLst>
+        </pc:spChg>
+        <pc:spChg chg="add mod">
+          <ac:chgData name="Thomas O Fredericks" userId="9a40f032a9b16fc7" providerId="LiveId" clId="{50DF5207-F6DE-4AE3-B6D7-98A5A253B28B}" dt="2022-11-10T20:57:23.149" v="169" actId="1076"/>
+          <ac:spMkLst>
+            <pc:docMk/>
+            <pc:sldMk cId="255712054" sldId="3042"/>
+            <ac:spMk id="8" creationId="{D4F1DD6A-4AB4-4983-B95F-EA4331C807D4}"/>
+          </ac:spMkLst>
+        </pc:spChg>
+        <pc:spChg chg="add mod">
+          <ac:chgData name="Thomas O Fredericks" userId="9a40f032a9b16fc7" providerId="LiveId" clId="{50DF5207-F6DE-4AE3-B6D7-98A5A253B28B}" dt="2022-11-10T20:57:42.188" v="204" actId="1076"/>
+          <ac:spMkLst>
+            <pc:docMk/>
+            <pc:sldMk cId="255712054" sldId="3042"/>
+            <ac:spMk id="9" creationId="{2DACF563-99D3-4948-8DE5-C1069E3BAF2A}"/>
+          </ac:spMkLst>
+        </pc:spChg>
+        <pc:spChg chg="add mod">
+          <ac:chgData name="Thomas O Fredericks" userId="9a40f032a9b16fc7" providerId="LiveId" clId="{50DF5207-F6DE-4AE3-B6D7-98A5A253B28B}" dt="2022-11-10T20:57:48.725" v="206" actId="1076"/>
+          <ac:spMkLst>
+            <pc:docMk/>
+            <pc:sldMk cId="255712054" sldId="3042"/>
+            <ac:spMk id="10" creationId="{6FF27BF4-1BDF-447B-9CC8-CAD4D24A11B9}"/>
+          </ac:spMkLst>
+        </pc:spChg>
+        <pc:picChg chg="add mod">
+          <ac:chgData name="Thomas O Fredericks" userId="9a40f032a9b16fc7" providerId="LiveId" clId="{50DF5207-F6DE-4AE3-B6D7-98A5A253B28B}" dt="2022-11-10T20:57:30.766" v="174" actId="1076"/>
+          <ac:picMkLst>
+            <pc:docMk/>
+            <pc:sldMk cId="255712054" sldId="3042"/>
+            <ac:picMk id="2" creationId="{C66FA3DE-D08B-43B2-9BD6-1475E23D2742}"/>
+          </ac:picMkLst>
+        </pc:picChg>
+        <pc:picChg chg="add mod">
+          <ac:chgData name="Thomas O Fredericks" userId="9a40f032a9b16fc7" providerId="LiveId" clId="{50DF5207-F6DE-4AE3-B6D7-98A5A253B28B}" dt="2022-11-10T20:57:04.610" v="158" actId="1076"/>
+          <ac:picMkLst>
+            <pc:docMk/>
+            <pc:sldMk cId="255712054" sldId="3042"/>
+            <ac:picMk id="3" creationId="{6E273A4F-7947-4488-A866-74279C1AD74F}"/>
+          </ac:picMkLst>
+        </pc:picChg>
+      </pc:sldChg>
     </pc:docChg>
   </pc:docChgLst>
 </pc:chgInfo>
@@ -433,7 +609,7 @@
           <a:p>
             <a:fld id="{09B5B3C8-7A4C-43AC-8825-7DD83AA28065}" type="datetimeFigureOut">
               <a:rPr lang="fr-CA" smtClean="0"/>
-              <a:t>2022-11-08</a:t>
+              <a:t>2022-11-10</a:t>
             </a:fld>
             <a:endParaRPr lang="fr-CA"/>
           </a:p>
@@ -603,7 +779,7 @@
           <a:p>
             <a:fld id="{09B5B3C8-7A4C-43AC-8825-7DD83AA28065}" type="datetimeFigureOut">
               <a:rPr lang="fr-CA" smtClean="0"/>
-              <a:t>2022-11-08</a:t>
+              <a:t>2022-11-10</a:t>
             </a:fld>
             <a:endParaRPr lang="fr-CA"/>
           </a:p>
@@ -783,7 +959,7 @@
           <a:p>
             <a:fld id="{09B5B3C8-7A4C-43AC-8825-7DD83AA28065}" type="datetimeFigureOut">
               <a:rPr lang="fr-CA" smtClean="0"/>
-              <a:t>2022-11-08</a:t>
+              <a:t>2022-11-10</a:t>
             </a:fld>
             <a:endParaRPr lang="fr-CA"/>
           </a:p>
@@ -953,7 +1129,7 @@
           <a:p>
             <a:fld id="{09B5B3C8-7A4C-43AC-8825-7DD83AA28065}" type="datetimeFigureOut">
               <a:rPr lang="fr-CA" smtClean="0"/>
-              <a:t>2022-11-08</a:t>
+              <a:t>2022-11-10</a:t>
             </a:fld>
             <a:endParaRPr lang="fr-CA"/>
           </a:p>
@@ -1199,7 +1375,7 @@
           <a:p>
             <a:fld id="{09B5B3C8-7A4C-43AC-8825-7DD83AA28065}" type="datetimeFigureOut">
               <a:rPr lang="fr-CA" smtClean="0"/>
-              <a:t>2022-11-08</a:t>
+              <a:t>2022-11-10</a:t>
             </a:fld>
             <a:endParaRPr lang="fr-CA"/>
           </a:p>
@@ -1431,7 +1607,7 @@
           <a:p>
             <a:fld id="{09B5B3C8-7A4C-43AC-8825-7DD83AA28065}" type="datetimeFigureOut">
               <a:rPr lang="fr-CA" smtClean="0"/>
-              <a:t>2022-11-08</a:t>
+              <a:t>2022-11-10</a:t>
             </a:fld>
             <a:endParaRPr lang="fr-CA"/>
           </a:p>
@@ -1798,7 +1974,7 @@
           <a:p>
             <a:fld id="{09B5B3C8-7A4C-43AC-8825-7DD83AA28065}" type="datetimeFigureOut">
               <a:rPr lang="fr-CA" smtClean="0"/>
-              <a:t>2022-11-08</a:t>
+              <a:t>2022-11-10</a:t>
             </a:fld>
             <a:endParaRPr lang="fr-CA"/>
           </a:p>
@@ -1916,7 +2092,7 @@
           <a:p>
             <a:fld id="{09B5B3C8-7A4C-43AC-8825-7DD83AA28065}" type="datetimeFigureOut">
               <a:rPr lang="fr-CA" smtClean="0"/>
-              <a:t>2022-11-08</a:t>
+              <a:t>2022-11-10</a:t>
             </a:fld>
             <a:endParaRPr lang="fr-CA"/>
           </a:p>
@@ -2011,7 +2187,7 @@
           <a:p>
             <a:fld id="{09B5B3C8-7A4C-43AC-8825-7DD83AA28065}" type="datetimeFigureOut">
               <a:rPr lang="fr-CA" smtClean="0"/>
-              <a:t>2022-11-08</a:t>
+              <a:t>2022-11-10</a:t>
             </a:fld>
             <a:endParaRPr lang="fr-CA"/>
           </a:p>
@@ -2288,7 +2464,7 @@
           <a:p>
             <a:fld id="{09B5B3C8-7A4C-43AC-8825-7DD83AA28065}" type="datetimeFigureOut">
               <a:rPr lang="fr-CA" smtClean="0"/>
-              <a:t>2022-11-08</a:t>
+              <a:t>2022-11-10</a:t>
             </a:fld>
             <a:endParaRPr lang="fr-CA"/>
           </a:p>
@@ -2545,7 +2721,7 @@
           <a:p>
             <a:fld id="{09B5B3C8-7A4C-43AC-8825-7DD83AA28065}" type="datetimeFigureOut">
               <a:rPr lang="fr-CA" smtClean="0"/>
-              <a:t>2022-11-08</a:t>
+              <a:t>2022-11-10</a:t>
             </a:fld>
             <a:endParaRPr lang="fr-CA"/>
           </a:p>
@@ -2758,7 +2934,7 @@
           <a:p>
             <a:fld id="{09B5B3C8-7A4C-43AC-8825-7DD83AA28065}" type="datetimeFigureOut">
               <a:rPr lang="fr-CA" smtClean="0"/>
-              <a:t>2022-11-08</a:t>
+              <a:t>2022-11-10</a:t>
             </a:fld>
             <a:endParaRPr lang="fr-CA"/>
           </a:p>
@@ -4394,6 +4570,918 @@
 </p:sld>
 </file>
 
+<file path=ppt/slides/slide6.xml><?xml version="1.0" encoding="utf-8"?>
+<p:sld xmlns:a="http://schemas.openxmlformats.org/drawingml/2006/main" xmlns:r="http://schemas.openxmlformats.org/officeDocument/2006/relationships" xmlns:p="http://schemas.openxmlformats.org/presentationml/2006/main">
+  <p:cSld>
+    <p:spTree>
+      <p:nvGrpSpPr>
+        <p:cNvPr id="1" name=""/>
+        <p:cNvGrpSpPr/>
+        <p:nvPr/>
+      </p:nvGrpSpPr>
+      <p:grpSpPr>
+        <a:xfrm>
+          <a:off x="0" y="0"/>
+          <a:ext cx="0" cy="0"/>
+          <a:chOff x="0" y="0"/>
+          <a:chExt cx="0" cy="0"/>
+        </a:xfrm>
+      </p:grpSpPr>
+      <p:pic>
+        <p:nvPicPr>
+          <p:cNvPr id="2" name="Image 1">
+            <a:extLst>
+              <a:ext uri="{FF2B5EF4-FFF2-40B4-BE49-F238E27FC236}">
+                <a16:creationId xmlns:a16="http://schemas.microsoft.com/office/drawing/2014/main" id="{0EBB115C-E725-4624-AFBB-3C9FE2AB021A}"/>
+              </a:ext>
+            </a:extLst>
+          </p:cNvPr>
+          <p:cNvPicPr>
+            <a:picLocks noChangeAspect="1"/>
+          </p:cNvPicPr>
+          <p:nvPr/>
+        </p:nvPicPr>
+        <p:blipFill>
+          <a:blip r:embed="rId2"/>
+          <a:stretch>
+            <a:fillRect/>
+          </a:stretch>
+        </p:blipFill>
+        <p:spPr>
+          <a:xfrm>
+            <a:off x="457579" y="320219"/>
+            <a:ext cx="5715798" cy="6068272"/>
+          </a:xfrm>
+          <a:prstGeom prst="rect">
+            <a:avLst/>
+          </a:prstGeom>
+        </p:spPr>
+      </p:pic>
+      <p:pic>
+        <p:nvPicPr>
+          <p:cNvPr id="3" name="Image 2">
+            <a:extLst>
+              <a:ext uri="{FF2B5EF4-FFF2-40B4-BE49-F238E27FC236}">
+                <a16:creationId xmlns:a16="http://schemas.microsoft.com/office/drawing/2014/main" id="{7A5ACBCD-A181-4A88-82D0-051ED6CC5C26}"/>
+              </a:ext>
+            </a:extLst>
+          </p:cNvPr>
+          <p:cNvPicPr>
+            <a:picLocks noChangeAspect="1"/>
+          </p:cNvPicPr>
+          <p:nvPr/>
+        </p:nvPicPr>
+        <p:blipFill>
+          <a:blip r:embed="rId3"/>
+          <a:stretch>
+            <a:fillRect/>
+          </a:stretch>
+        </p:blipFill>
+        <p:spPr>
+          <a:xfrm>
+            <a:off x="6438893" y="320219"/>
+            <a:ext cx="5677692" cy="5811061"/>
+          </a:xfrm>
+          <a:prstGeom prst="rect">
+            <a:avLst/>
+          </a:prstGeom>
+        </p:spPr>
+      </p:pic>
+      <p:sp>
+        <p:nvSpPr>
+          <p:cNvPr id="4" name="Rectangle : coins arrondis 3">
+            <a:extLst>
+              <a:ext uri="{FF2B5EF4-FFF2-40B4-BE49-F238E27FC236}">
+                <a16:creationId xmlns:a16="http://schemas.microsoft.com/office/drawing/2014/main" id="{F59D8B6F-BC05-431F-893E-178FBFE50C6E}"/>
+              </a:ext>
+            </a:extLst>
+          </p:cNvPr>
+          <p:cNvSpPr/>
+          <p:nvPr/>
+        </p:nvSpPr>
+        <p:spPr>
+          <a:xfrm>
+            <a:off x="5568479" y="1979778"/>
+            <a:ext cx="244492" cy="240908"/>
+          </a:xfrm>
+          <a:prstGeom prst="roundRect">
+            <a:avLst/>
+          </a:prstGeom>
+          <a:noFill/>
+          <a:ln w="38100">
+            <a:solidFill>
+              <a:schemeClr val="accent1"/>
+            </a:solidFill>
+          </a:ln>
+        </p:spPr>
+        <p:style>
+          <a:lnRef idx="2">
+            <a:schemeClr val="accent1">
+              <a:shade val="50000"/>
+            </a:schemeClr>
+          </a:lnRef>
+          <a:fillRef idx="1">
+            <a:schemeClr val="accent1"/>
+          </a:fillRef>
+          <a:effectRef idx="0">
+            <a:schemeClr val="accent1"/>
+          </a:effectRef>
+          <a:fontRef idx="minor">
+            <a:schemeClr val="lt1"/>
+          </a:fontRef>
+        </p:style>
+        <p:txBody>
+          <a:bodyPr rtlCol="0" anchor="ctr"/>
+          <a:lstStyle/>
+          <a:p>
+            <a:pPr algn="ctr"/>
+            <a:endParaRPr lang="fr-CA"/>
+          </a:p>
+        </p:txBody>
+      </p:sp>
+      <p:sp>
+        <p:nvSpPr>
+          <p:cNvPr id="6" name="Rectangle : coins arrondis 5">
+            <a:extLst>
+              <a:ext uri="{FF2B5EF4-FFF2-40B4-BE49-F238E27FC236}">
+                <a16:creationId xmlns:a16="http://schemas.microsoft.com/office/drawing/2014/main" id="{92C2F25B-98E1-4635-B3C8-E95E01D24AC6}"/>
+              </a:ext>
+            </a:extLst>
+          </p:cNvPr>
+          <p:cNvSpPr/>
+          <p:nvPr/>
+        </p:nvSpPr>
+        <p:spPr>
+          <a:xfrm>
+            <a:off x="1256944" y="1633414"/>
+            <a:ext cx="1394815" cy="240908"/>
+          </a:xfrm>
+          <a:prstGeom prst="roundRect">
+            <a:avLst/>
+          </a:prstGeom>
+          <a:noFill/>
+          <a:ln w="38100">
+            <a:solidFill>
+              <a:schemeClr val="accent1"/>
+            </a:solidFill>
+          </a:ln>
+        </p:spPr>
+        <p:style>
+          <a:lnRef idx="2">
+            <a:schemeClr val="accent1">
+              <a:shade val="50000"/>
+            </a:schemeClr>
+          </a:lnRef>
+          <a:fillRef idx="1">
+            <a:schemeClr val="accent1"/>
+          </a:fillRef>
+          <a:effectRef idx="0">
+            <a:schemeClr val="accent1"/>
+          </a:effectRef>
+          <a:fontRef idx="minor">
+            <a:schemeClr val="lt1"/>
+          </a:fontRef>
+        </p:style>
+        <p:txBody>
+          <a:bodyPr rtlCol="0" anchor="ctr"/>
+          <a:lstStyle/>
+          <a:p>
+            <a:pPr algn="ctr"/>
+            <a:endParaRPr lang="fr-CA"/>
+          </a:p>
+        </p:txBody>
+      </p:sp>
+      <p:sp>
+        <p:nvSpPr>
+          <p:cNvPr id="7" name="Rectangle : coins arrondis 6">
+            <a:extLst>
+              <a:ext uri="{FF2B5EF4-FFF2-40B4-BE49-F238E27FC236}">
+                <a16:creationId xmlns:a16="http://schemas.microsoft.com/office/drawing/2014/main" id="{B06A0927-1E19-47CF-8A73-9CC2F4AE33C2}"/>
+              </a:ext>
+            </a:extLst>
+          </p:cNvPr>
+          <p:cNvSpPr/>
+          <p:nvPr/>
+        </p:nvSpPr>
+        <p:spPr>
+          <a:xfrm>
+            <a:off x="7042601" y="3030364"/>
+            <a:ext cx="1644199" cy="240908"/>
+          </a:xfrm>
+          <a:prstGeom prst="roundRect">
+            <a:avLst/>
+          </a:prstGeom>
+          <a:noFill/>
+          <a:ln w="38100">
+            <a:solidFill>
+              <a:schemeClr val="accent1"/>
+            </a:solidFill>
+          </a:ln>
+        </p:spPr>
+        <p:style>
+          <a:lnRef idx="2">
+            <a:schemeClr val="accent1">
+              <a:shade val="50000"/>
+            </a:schemeClr>
+          </a:lnRef>
+          <a:fillRef idx="1">
+            <a:schemeClr val="accent1"/>
+          </a:fillRef>
+          <a:effectRef idx="0">
+            <a:schemeClr val="accent1"/>
+          </a:effectRef>
+          <a:fontRef idx="minor">
+            <a:schemeClr val="lt1"/>
+          </a:fontRef>
+        </p:style>
+        <p:txBody>
+          <a:bodyPr rtlCol="0" anchor="ctr"/>
+          <a:lstStyle/>
+          <a:p>
+            <a:pPr algn="ctr"/>
+            <a:endParaRPr lang="fr-CA"/>
+          </a:p>
+        </p:txBody>
+      </p:sp>
+      <p:sp>
+        <p:nvSpPr>
+          <p:cNvPr id="8" name="Rectangle : coins arrondis 7">
+            <a:extLst>
+              <a:ext uri="{FF2B5EF4-FFF2-40B4-BE49-F238E27FC236}">
+                <a16:creationId xmlns:a16="http://schemas.microsoft.com/office/drawing/2014/main" id="{49DAD02C-0653-45D3-8112-C2DBE1CA46D6}"/>
+              </a:ext>
+            </a:extLst>
+          </p:cNvPr>
+          <p:cNvSpPr/>
+          <p:nvPr/>
+        </p:nvSpPr>
+        <p:spPr>
+          <a:xfrm>
+            <a:off x="8769927" y="2975928"/>
+            <a:ext cx="3266903" cy="3034173"/>
+          </a:xfrm>
+          <a:prstGeom prst="roundRect">
+            <a:avLst>
+              <a:gd name="adj" fmla="val 2969"/>
+            </a:avLst>
+          </a:prstGeom>
+          <a:noFill/>
+          <a:ln w="38100">
+            <a:solidFill>
+              <a:schemeClr val="accent1"/>
+            </a:solidFill>
+          </a:ln>
+        </p:spPr>
+        <p:style>
+          <a:lnRef idx="2">
+            <a:schemeClr val="accent1">
+              <a:shade val="50000"/>
+            </a:schemeClr>
+          </a:lnRef>
+          <a:fillRef idx="1">
+            <a:schemeClr val="accent1"/>
+          </a:fillRef>
+          <a:effectRef idx="0">
+            <a:schemeClr val="accent1"/>
+          </a:effectRef>
+          <a:fontRef idx="minor">
+            <a:schemeClr val="lt1"/>
+          </a:fontRef>
+        </p:style>
+        <p:txBody>
+          <a:bodyPr rtlCol="0" anchor="ctr"/>
+          <a:lstStyle/>
+          <a:p>
+            <a:pPr algn="ctr"/>
+            <a:endParaRPr lang="fr-CA"/>
+          </a:p>
+        </p:txBody>
+      </p:sp>
+      <p:sp>
+        <p:nvSpPr>
+          <p:cNvPr id="9" name="Ellipse 8">
+            <a:extLst>
+              <a:ext uri="{FF2B5EF4-FFF2-40B4-BE49-F238E27FC236}">
+                <a16:creationId xmlns:a16="http://schemas.microsoft.com/office/drawing/2014/main" id="{DC1D39DF-DCF7-4A04-AA1E-A93BDC8A7098}"/>
+              </a:ext>
+            </a:extLst>
+          </p:cNvPr>
+          <p:cNvSpPr/>
+          <p:nvPr/>
+        </p:nvSpPr>
+        <p:spPr>
+          <a:xfrm>
+            <a:off x="2539387" y="1564924"/>
+            <a:ext cx="377888" cy="377888"/>
+          </a:xfrm>
+          <a:prstGeom prst="ellipse">
+            <a:avLst/>
+          </a:prstGeom>
+          <a:ln>
+            <a:noFill/>
+          </a:ln>
+        </p:spPr>
+        <p:style>
+          <a:lnRef idx="2">
+            <a:schemeClr val="accent1">
+              <a:shade val="50000"/>
+            </a:schemeClr>
+          </a:lnRef>
+          <a:fillRef idx="1">
+            <a:schemeClr val="accent1"/>
+          </a:fillRef>
+          <a:effectRef idx="0">
+            <a:schemeClr val="accent1"/>
+          </a:effectRef>
+          <a:fontRef idx="minor">
+            <a:schemeClr val="lt1"/>
+          </a:fontRef>
+        </p:style>
+        <p:txBody>
+          <a:bodyPr rtlCol="0" anchor="ctr"/>
+          <a:lstStyle/>
+          <a:p>
+            <a:pPr algn="ctr"/>
+            <a:r>
+              <a:rPr lang="fr-CA" dirty="0"/>
+              <a:t>1</a:t>
+            </a:r>
+          </a:p>
+        </p:txBody>
+      </p:sp>
+      <p:sp>
+        <p:nvSpPr>
+          <p:cNvPr id="10" name="Ellipse 9">
+            <a:extLst>
+              <a:ext uri="{FF2B5EF4-FFF2-40B4-BE49-F238E27FC236}">
+                <a16:creationId xmlns:a16="http://schemas.microsoft.com/office/drawing/2014/main" id="{6BAABC95-EFE0-4528-9A4C-3D0DEB1CFB5C}"/>
+              </a:ext>
+            </a:extLst>
+          </p:cNvPr>
+          <p:cNvSpPr/>
+          <p:nvPr/>
+        </p:nvSpPr>
+        <p:spPr>
+          <a:xfrm>
+            <a:off x="5302963" y="1685378"/>
+            <a:ext cx="377888" cy="377888"/>
+          </a:xfrm>
+          <a:prstGeom prst="ellipse">
+            <a:avLst/>
+          </a:prstGeom>
+          <a:ln>
+            <a:noFill/>
+          </a:ln>
+        </p:spPr>
+        <p:style>
+          <a:lnRef idx="2">
+            <a:schemeClr val="accent1">
+              <a:shade val="50000"/>
+            </a:schemeClr>
+          </a:lnRef>
+          <a:fillRef idx="1">
+            <a:schemeClr val="accent1"/>
+          </a:fillRef>
+          <a:effectRef idx="0">
+            <a:schemeClr val="accent1"/>
+          </a:effectRef>
+          <a:fontRef idx="minor">
+            <a:schemeClr val="lt1"/>
+          </a:fontRef>
+        </p:style>
+        <p:txBody>
+          <a:bodyPr rtlCol="0" anchor="ctr"/>
+          <a:lstStyle/>
+          <a:p>
+            <a:pPr algn="ctr"/>
+            <a:r>
+              <a:rPr lang="fr-CA" dirty="0"/>
+              <a:t>2</a:t>
+            </a:r>
+          </a:p>
+        </p:txBody>
+      </p:sp>
+      <p:sp>
+        <p:nvSpPr>
+          <p:cNvPr id="11" name="Ellipse 10">
+            <a:extLst>
+              <a:ext uri="{FF2B5EF4-FFF2-40B4-BE49-F238E27FC236}">
+                <a16:creationId xmlns:a16="http://schemas.microsoft.com/office/drawing/2014/main" id="{F9394CDB-6BAE-4396-B8A1-FCB80EFB284D}"/>
+              </a:ext>
+            </a:extLst>
+          </p:cNvPr>
+          <p:cNvSpPr/>
+          <p:nvPr/>
+        </p:nvSpPr>
+        <p:spPr>
+          <a:xfrm>
+            <a:off x="7675756" y="2637560"/>
+            <a:ext cx="377888" cy="377888"/>
+          </a:xfrm>
+          <a:prstGeom prst="ellipse">
+            <a:avLst/>
+          </a:prstGeom>
+          <a:ln>
+            <a:noFill/>
+          </a:ln>
+        </p:spPr>
+        <p:style>
+          <a:lnRef idx="2">
+            <a:schemeClr val="accent1">
+              <a:shade val="50000"/>
+            </a:schemeClr>
+          </a:lnRef>
+          <a:fillRef idx="1">
+            <a:schemeClr val="accent1"/>
+          </a:fillRef>
+          <a:effectRef idx="0">
+            <a:schemeClr val="accent1"/>
+          </a:effectRef>
+          <a:fontRef idx="minor">
+            <a:schemeClr val="lt1"/>
+          </a:fontRef>
+        </p:style>
+        <p:txBody>
+          <a:bodyPr rtlCol="0" anchor="ctr"/>
+          <a:lstStyle/>
+          <a:p>
+            <a:pPr algn="ctr"/>
+            <a:r>
+              <a:rPr lang="fr-CA" dirty="0"/>
+              <a:t>3</a:t>
+            </a:r>
+          </a:p>
+        </p:txBody>
+      </p:sp>
+    </p:spTree>
+    <p:extLst>
+      <p:ext uri="{BB962C8B-B14F-4D97-AF65-F5344CB8AC3E}">
+        <p14:creationId xmlns:p14="http://schemas.microsoft.com/office/powerpoint/2010/main" val="2516139883"/>
+      </p:ext>
+    </p:extLst>
+  </p:cSld>
+  <p:clrMapOvr>
+    <a:masterClrMapping/>
+  </p:clrMapOvr>
+</p:sld>
+</file>
+
+<file path=ppt/slides/slide7.xml><?xml version="1.0" encoding="utf-8"?>
+<p:sld xmlns:a="http://schemas.openxmlformats.org/drawingml/2006/main" xmlns:r="http://schemas.openxmlformats.org/officeDocument/2006/relationships" xmlns:p="http://schemas.openxmlformats.org/presentationml/2006/main">
+  <p:cSld>
+    <p:spTree>
+      <p:nvGrpSpPr>
+        <p:cNvPr id="1" name=""/>
+        <p:cNvGrpSpPr/>
+        <p:nvPr/>
+      </p:nvGrpSpPr>
+      <p:grpSpPr>
+        <a:xfrm>
+          <a:off x="0" y="0"/>
+          <a:ext cx="0" cy="0"/>
+          <a:chOff x="0" y="0"/>
+          <a:chExt cx="0" cy="0"/>
+        </a:xfrm>
+      </p:grpSpPr>
+      <p:pic>
+        <p:nvPicPr>
+          <p:cNvPr id="2" name="Image 1">
+            <a:extLst>
+              <a:ext uri="{FF2B5EF4-FFF2-40B4-BE49-F238E27FC236}">
+                <a16:creationId xmlns:a16="http://schemas.microsoft.com/office/drawing/2014/main" id="{C66FA3DE-D08B-43B2-9BD6-1475E23D2742}"/>
+              </a:ext>
+            </a:extLst>
+          </p:cNvPr>
+          <p:cNvPicPr>
+            <a:picLocks noChangeAspect="1"/>
+          </p:cNvPicPr>
+          <p:nvPr/>
+        </p:nvPicPr>
+        <p:blipFill>
+          <a:blip r:embed="rId2"/>
+          <a:stretch>
+            <a:fillRect/>
+          </a:stretch>
+        </p:blipFill>
+        <p:spPr>
+          <a:xfrm>
+            <a:off x="373850" y="532996"/>
+            <a:ext cx="5658640" cy="5792008"/>
+          </a:xfrm>
+          <a:prstGeom prst="rect">
+            <a:avLst/>
+          </a:prstGeom>
+        </p:spPr>
+      </p:pic>
+      <p:pic>
+        <p:nvPicPr>
+          <p:cNvPr id="3" name="Image 2">
+            <a:extLst>
+              <a:ext uri="{FF2B5EF4-FFF2-40B4-BE49-F238E27FC236}">
+                <a16:creationId xmlns:a16="http://schemas.microsoft.com/office/drawing/2014/main" id="{6E273A4F-7947-4488-A866-74279C1AD74F}"/>
+              </a:ext>
+            </a:extLst>
+          </p:cNvPr>
+          <p:cNvPicPr>
+            <a:picLocks noChangeAspect="1"/>
+          </p:cNvPicPr>
+          <p:nvPr/>
+        </p:nvPicPr>
+        <p:blipFill>
+          <a:blip r:embed="rId3"/>
+          <a:stretch>
+            <a:fillRect/>
+          </a:stretch>
+        </p:blipFill>
+        <p:spPr>
+          <a:xfrm>
+            <a:off x="6159512" y="513943"/>
+            <a:ext cx="5677692" cy="5830114"/>
+          </a:xfrm>
+          <a:prstGeom prst="rect">
+            <a:avLst/>
+          </a:prstGeom>
+        </p:spPr>
+      </p:pic>
+      <p:sp>
+        <p:nvSpPr>
+          <p:cNvPr id="4" name="Rectangle : coins arrondis 3">
+            <a:extLst>
+              <a:ext uri="{FF2B5EF4-FFF2-40B4-BE49-F238E27FC236}">
+                <a16:creationId xmlns:a16="http://schemas.microsoft.com/office/drawing/2014/main" id="{1C6060B8-97B1-4BF0-B67D-64CEC50B13CB}"/>
+              </a:ext>
+            </a:extLst>
+          </p:cNvPr>
+          <p:cNvSpPr/>
+          <p:nvPr/>
+        </p:nvSpPr>
+        <p:spPr>
+          <a:xfrm>
+            <a:off x="5485351" y="2129406"/>
+            <a:ext cx="244492" cy="240908"/>
+          </a:xfrm>
+          <a:prstGeom prst="roundRect">
+            <a:avLst/>
+          </a:prstGeom>
+          <a:noFill/>
+          <a:ln w="38100">
+            <a:solidFill>
+              <a:schemeClr val="accent1"/>
+            </a:solidFill>
+          </a:ln>
+        </p:spPr>
+        <p:style>
+          <a:lnRef idx="2">
+            <a:schemeClr val="accent1">
+              <a:shade val="50000"/>
+            </a:schemeClr>
+          </a:lnRef>
+          <a:fillRef idx="1">
+            <a:schemeClr val="accent1"/>
+          </a:fillRef>
+          <a:effectRef idx="0">
+            <a:schemeClr val="accent1"/>
+          </a:effectRef>
+          <a:fontRef idx="minor">
+            <a:schemeClr val="lt1"/>
+          </a:fontRef>
+        </p:style>
+        <p:txBody>
+          <a:bodyPr rtlCol="0" anchor="ctr"/>
+          <a:lstStyle/>
+          <a:p>
+            <a:pPr algn="ctr"/>
+            <a:endParaRPr lang="fr-CA"/>
+          </a:p>
+        </p:txBody>
+      </p:sp>
+      <p:sp>
+        <p:nvSpPr>
+          <p:cNvPr id="5" name="Rectangle : coins arrondis 4">
+            <a:extLst>
+              <a:ext uri="{FF2B5EF4-FFF2-40B4-BE49-F238E27FC236}">
+                <a16:creationId xmlns:a16="http://schemas.microsoft.com/office/drawing/2014/main" id="{DB714080-C2DE-48DB-A740-4D34CAEF0B3D}"/>
+              </a:ext>
+            </a:extLst>
+          </p:cNvPr>
+          <p:cNvSpPr/>
+          <p:nvPr/>
+        </p:nvSpPr>
+        <p:spPr>
+          <a:xfrm>
+            <a:off x="1182128" y="1909560"/>
+            <a:ext cx="1394815" cy="240908"/>
+          </a:xfrm>
+          <a:prstGeom prst="roundRect">
+            <a:avLst/>
+          </a:prstGeom>
+          <a:noFill/>
+          <a:ln w="38100">
+            <a:solidFill>
+              <a:schemeClr val="accent1"/>
+            </a:solidFill>
+          </a:ln>
+        </p:spPr>
+        <p:style>
+          <a:lnRef idx="2">
+            <a:schemeClr val="accent1">
+              <a:shade val="50000"/>
+            </a:schemeClr>
+          </a:lnRef>
+          <a:fillRef idx="1">
+            <a:schemeClr val="accent1"/>
+          </a:fillRef>
+          <a:effectRef idx="0">
+            <a:schemeClr val="accent1"/>
+          </a:effectRef>
+          <a:fontRef idx="minor">
+            <a:schemeClr val="lt1"/>
+          </a:fontRef>
+        </p:style>
+        <p:txBody>
+          <a:bodyPr rtlCol="0" anchor="ctr"/>
+          <a:lstStyle/>
+          <a:p>
+            <a:pPr algn="ctr"/>
+            <a:endParaRPr lang="fr-CA"/>
+          </a:p>
+        </p:txBody>
+      </p:sp>
+      <p:sp>
+        <p:nvSpPr>
+          <p:cNvPr id="6" name="Rectangle : coins arrondis 5">
+            <a:extLst>
+              <a:ext uri="{FF2B5EF4-FFF2-40B4-BE49-F238E27FC236}">
+                <a16:creationId xmlns:a16="http://schemas.microsoft.com/office/drawing/2014/main" id="{CED20F45-914E-4CB8-A1AD-F37AB407A674}"/>
+              </a:ext>
+            </a:extLst>
+          </p:cNvPr>
+          <p:cNvSpPr/>
+          <p:nvPr/>
+        </p:nvSpPr>
+        <p:spPr>
+          <a:xfrm>
+            <a:off x="6926102" y="3308546"/>
+            <a:ext cx="1644199" cy="240908"/>
+          </a:xfrm>
+          <a:prstGeom prst="roundRect">
+            <a:avLst/>
+          </a:prstGeom>
+          <a:noFill/>
+          <a:ln w="38100">
+            <a:solidFill>
+              <a:schemeClr val="accent1"/>
+            </a:solidFill>
+          </a:ln>
+        </p:spPr>
+        <p:style>
+          <a:lnRef idx="2">
+            <a:schemeClr val="accent1">
+              <a:shade val="50000"/>
+            </a:schemeClr>
+          </a:lnRef>
+          <a:fillRef idx="1">
+            <a:schemeClr val="accent1"/>
+          </a:fillRef>
+          <a:effectRef idx="0">
+            <a:schemeClr val="accent1"/>
+          </a:effectRef>
+          <a:fontRef idx="minor">
+            <a:schemeClr val="lt1"/>
+          </a:fontRef>
+        </p:style>
+        <p:txBody>
+          <a:bodyPr rtlCol="0" anchor="ctr"/>
+          <a:lstStyle/>
+          <a:p>
+            <a:pPr algn="ctr"/>
+            <a:endParaRPr lang="fr-CA"/>
+          </a:p>
+        </p:txBody>
+      </p:sp>
+      <p:sp>
+        <p:nvSpPr>
+          <p:cNvPr id="7" name="Rectangle : coins arrondis 6">
+            <a:extLst>
+              <a:ext uri="{FF2B5EF4-FFF2-40B4-BE49-F238E27FC236}">
+                <a16:creationId xmlns:a16="http://schemas.microsoft.com/office/drawing/2014/main" id="{75EE0A4B-BEB5-48F2-8997-E28B1F628148}"/>
+              </a:ext>
+            </a:extLst>
+          </p:cNvPr>
+          <p:cNvSpPr/>
+          <p:nvPr/>
+        </p:nvSpPr>
+        <p:spPr>
+          <a:xfrm>
+            <a:off x="8570301" y="3214720"/>
+            <a:ext cx="3266903" cy="3034173"/>
+          </a:xfrm>
+          <a:prstGeom prst="roundRect">
+            <a:avLst>
+              <a:gd name="adj" fmla="val 2969"/>
+            </a:avLst>
+          </a:prstGeom>
+          <a:noFill/>
+          <a:ln w="38100">
+            <a:solidFill>
+              <a:schemeClr val="accent1"/>
+            </a:solidFill>
+          </a:ln>
+        </p:spPr>
+        <p:style>
+          <a:lnRef idx="2">
+            <a:schemeClr val="accent1">
+              <a:shade val="50000"/>
+            </a:schemeClr>
+          </a:lnRef>
+          <a:fillRef idx="1">
+            <a:schemeClr val="accent1"/>
+          </a:fillRef>
+          <a:effectRef idx="0">
+            <a:schemeClr val="accent1"/>
+          </a:effectRef>
+          <a:fontRef idx="minor">
+            <a:schemeClr val="lt1"/>
+          </a:fontRef>
+        </p:style>
+        <p:txBody>
+          <a:bodyPr rtlCol="0" anchor="ctr"/>
+          <a:lstStyle/>
+          <a:p>
+            <a:pPr algn="ctr"/>
+            <a:endParaRPr lang="fr-CA"/>
+          </a:p>
+        </p:txBody>
+      </p:sp>
+      <p:sp>
+        <p:nvSpPr>
+          <p:cNvPr id="8" name="Ellipse 7">
+            <a:extLst>
+              <a:ext uri="{FF2B5EF4-FFF2-40B4-BE49-F238E27FC236}">
+                <a16:creationId xmlns:a16="http://schemas.microsoft.com/office/drawing/2014/main" id="{D4F1DD6A-4AB4-4983-B95F-EA4331C807D4}"/>
+              </a:ext>
+            </a:extLst>
+          </p:cNvPr>
+          <p:cNvSpPr/>
+          <p:nvPr/>
+        </p:nvSpPr>
+        <p:spPr>
+          <a:xfrm>
+            <a:off x="2497759" y="1821818"/>
+            <a:ext cx="377888" cy="377888"/>
+          </a:xfrm>
+          <a:prstGeom prst="ellipse">
+            <a:avLst/>
+          </a:prstGeom>
+          <a:ln>
+            <a:noFill/>
+          </a:ln>
+        </p:spPr>
+        <p:style>
+          <a:lnRef idx="2">
+            <a:schemeClr val="accent1">
+              <a:shade val="50000"/>
+            </a:schemeClr>
+          </a:lnRef>
+          <a:fillRef idx="1">
+            <a:schemeClr val="accent1"/>
+          </a:fillRef>
+          <a:effectRef idx="0">
+            <a:schemeClr val="accent1"/>
+          </a:effectRef>
+          <a:fontRef idx="minor">
+            <a:schemeClr val="lt1"/>
+          </a:fontRef>
+        </p:style>
+        <p:txBody>
+          <a:bodyPr rtlCol="0" anchor="ctr"/>
+          <a:lstStyle/>
+          <a:p>
+            <a:pPr algn="ctr"/>
+            <a:r>
+              <a:rPr lang="fr-CA" dirty="0"/>
+              <a:t>1</a:t>
+            </a:r>
+          </a:p>
+        </p:txBody>
+      </p:sp>
+      <p:sp>
+        <p:nvSpPr>
+          <p:cNvPr id="9" name="Ellipse 8">
+            <a:extLst>
+              <a:ext uri="{FF2B5EF4-FFF2-40B4-BE49-F238E27FC236}">
+                <a16:creationId xmlns:a16="http://schemas.microsoft.com/office/drawing/2014/main" id="{2DACF563-99D3-4948-8DE5-C1069E3BAF2A}"/>
+              </a:ext>
+            </a:extLst>
+          </p:cNvPr>
+          <p:cNvSpPr/>
+          <p:nvPr/>
+        </p:nvSpPr>
+        <p:spPr>
+          <a:xfrm>
+            <a:off x="5259753" y="1772580"/>
+            <a:ext cx="377888" cy="377888"/>
+          </a:xfrm>
+          <a:prstGeom prst="ellipse">
+            <a:avLst/>
+          </a:prstGeom>
+          <a:ln>
+            <a:noFill/>
+          </a:ln>
+        </p:spPr>
+        <p:style>
+          <a:lnRef idx="2">
+            <a:schemeClr val="accent1">
+              <a:shade val="50000"/>
+            </a:schemeClr>
+          </a:lnRef>
+          <a:fillRef idx="1">
+            <a:schemeClr val="accent1"/>
+          </a:fillRef>
+          <a:effectRef idx="0">
+            <a:schemeClr val="accent1"/>
+          </a:effectRef>
+          <a:fontRef idx="minor">
+            <a:schemeClr val="lt1"/>
+          </a:fontRef>
+        </p:style>
+        <p:txBody>
+          <a:bodyPr rtlCol="0" anchor="ctr"/>
+          <a:lstStyle/>
+          <a:p>
+            <a:pPr algn="ctr"/>
+            <a:r>
+              <a:rPr lang="fr-CA" dirty="0"/>
+              <a:t>2</a:t>
+            </a:r>
+          </a:p>
+        </p:txBody>
+      </p:sp>
+      <p:sp>
+        <p:nvSpPr>
+          <p:cNvPr id="10" name="Ellipse 9">
+            <a:extLst>
+              <a:ext uri="{FF2B5EF4-FFF2-40B4-BE49-F238E27FC236}">
+                <a16:creationId xmlns:a16="http://schemas.microsoft.com/office/drawing/2014/main" id="{6FF27BF4-1BDF-447B-9CC8-CAD4D24A11B9}"/>
+              </a:ext>
+            </a:extLst>
+          </p:cNvPr>
+          <p:cNvSpPr/>
+          <p:nvPr/>
+        </p:nvSpPr>
+        <p:spPr>
+          <a:xfrm>
+            <a:off x="6726476" y="3025776"/>
+            <a:ext cx="377888" cy="377888"/>
+          </a:xfrm>
+          <a:prstGeom prst="ellipse">
+            <a:avLst/>
+          </a:prstGeom>
+          <a:ln>
+            <a:noFill/>
+          </a:ln>
+        </p:spPr>
+        <p:style>
+          <a:lnRef idx="2">
+            <a:schemeClr val="accent1">
+              <a:shade val="50000"/>
+            </a:schemeClr>
+          </a:lnRef>
+          <a:fillRef idx="1">
+            <a:schemeClr val="accent1"/>
+          </a:fillRef>
+          <a:effectRef idx="0">
+            <a:schemeClr val="accent1"/>
+          </a:effectRef>
+          <a:fontRef idx="minor">
+            <a:schemeClr val="lt1"/>
+          </a:fontRef>
+        </p:style>
+        <p:txBody>
+          <a:bodyPr rtlCol="0" anchor="ctr"/>
+          <a:lstStyle/>
+          <a:p>
+            <a:pPr algn="ctr"/>
+            <a:r>
+              <a:rPr lang="fr-CA" dirty="0"/>
+              <a:t>3</a:t>
+            </a:r>
+          </a:p>
+        </p:txBody>
+      </p:sp>
+    </p:spTree>
+    <p:extLst>
+      <p:ext uri="{BB962C8B-B14F-4D97-AF65-F5344CB8AC3E}">
+        <p14:creationId xmlns:p14="http://schemas.microsoft.com/office/powerpoint/2010/main" val="255712054"/>
+      </p:ext>
+    </p:extLst>
+  </p:cSld>
+  <p:clrMapOvr>
+    <a:masterClrMapping/>
+  </p:clrMapOvr>
+</p:sld>
+</file>
+
 <file path=ppt/theme/theme1.xml><?xml version="1.0" encoding="utf-8"?>
 <a:theme xmlns:a="http://schemas.openxmlformats.org/drawingml/2006/main" name="Office Theme">
   <a:themeElements>

--- a/rel-unity-src/xr_scene/xr_scene.pptx
+++ b/rel-unity-src/xr_scene/xr_scene.pptx
@@ -121,7 +121,7 @@
 <file path=ppt/revisionInfo.xml><?xml version="1.0" encoding="utf-8"?>
 <p1510:revInfo xmlns:a="http://schemas.openxmlformats.org/drawingml/2006/main" xmlns:r="http://schemas.openxmlformats.org/officeDocument/2006/relationships" xmlns:p1510="http://schemas.microsoft.com/office/powerpoint/2015/10/main">
   <p1510:revLst>
-    <p1510:client id="{50DF5207-F6DE-4AE3-B6D7-98A5A253B28B}" v="42" dt="2022-11-10T20:57:16.032"/>
+    <p1510:client id="{50DF5207-F6DE-4AE3-B6D7-98A5A253B28B}" v="52" dt="2022-11-10T21:08:45.105"/>
   </p1510:revLst>
 </p1510:revInfo>
 </file>
@@ -131,7 +131,7 @@
   <pc:docChgLst>
     <pc:chgData name="Thomas O Fredericks" userId="9a40f032a9b16fc7" providerId="LiveId" clId="{50DF5207-F6DE-4AE3-B6D7-98A5A253B28B}"/>
     <pc:docChg chg="undo custSel addSld modSld">
-      <pc:chgData name="Thomas O Fredericks" userId="9a40f032a9b16fc7" providerId="LiveId" clId="{50DF5207-F6DE-4AE3-B6D7-98A5A253B28B}" dt="2022-11-10T20:57:58.741" v="207" actId="1076"/>
+      <pc:chgData name="Thomas O Fredericks" userId="9a40f032a9b16fc7" providerId="LiveId" clId="{50DF5207-F6DE-4AE3-B6D7-98A5A253B28B}" dt="2022-11-10T21:08:51.556" v="234" actId="20577"/>
       <pc:docMkLst>
         <pc:docMk/>
       </pc:docMkLst>
@@ -150,14 +150,14 @@
           </ac:picMkLst>
         </pc:picChg>
       </pc:sldChg>
-      <pc:sldChg chg="addSp modSp">
-        <pc:chgData name="Thomas O Fredericks" userId="9a40f032a9b16fc7" providerId="LiveId" clId="{50DF5207-F6DE-4AE3-B6D7-98A5A253B28B}" dt="2022-11-08T14:53:21.699" v="68" actId="1076"/>
+      <pc:sldChg chg="addSp delSp modSp">
+        <pc:chgData name="Thomas O Fredericks" userId="9a40f032a9b16fc7" providerId="LiveId" clId="{50DF5207-F6DE-4AE3-B6D7-98A5A253B28B}" dt="2022-11-10T21:08:51.556" v="234" actId="20577"/>
         <pc:sldMkLst>
           <pc:docMk/>
           <pc:sldMk cId="1326960405" sldId="3038"/>
         </pc:sldMkLst>
         <pc:spChg chg="mod">
-          <ac:chgData name="Thomas O Fredericks" userId="9a40f032a9b16fc7" providerId="LiveId" clId="{50DF5207-F6DE-4AE3-B6D7-98A5A253B28B}" dt="2022-11-08T14:52:43.684" v="52" actId="14100"/>
+          <ac:chgData name="Thomas O Fredericks" userId="9a40f032a9b16fc7" providerId="LiveId" clId="{50DF5207-F6DE-4AE3-B6D7-98A5A253B28B}" dt="2022-11-10T21:08:15.594" v="226" actId="14100"/>
           <ac:spMkLst>
             <pc:docMk/>
             <pc:sldMk cId="1326960405" sldId="3038"/>
@@ -173,7 +173,7 @@
           </ac:spMkLst>
         </pc:spChg>
         <pc:spChg chg="add mod">
-          <ac:chgData name="Thomas O Fredericks" userId="9a40f032a9b16fc7" providerId="LiveId" clId="{50DF5207-F6DE-4AE3-B6D7-98A5A253B28B}" dt="2022-11-08T14:52:03.927" v="30" actId="1076"/>
+          <ac:chgData name="Thomas O Fredericks" userId="9a40f032a9b16fc7" providerId="LiveId" clId="{50DF5207-F6DE-4AE3-B6D7-98A5A253B28B}" dt="2022-11-10T21:08:26.386" v="228" actId="14100"/>
           <ac:spMkLst>
             <pc:docMk/>
             <pc:sldMk cId="1326960405" sldId="3038"/>
@@ -189,7 +189,7 @@
           </ac:spMkLst>
         </pc:spChg>
         <pc:spChg chg="add mod">
-          <ac:chgData name="Thomas O Fredericks" userId="9a40f032a9b16fc7" providerId="LiveId" clId="{50DF5207-F6DE-4AE3-B6D7-98A5A253B28B}" dt="2022-11-08T14:53:07.321" v="60" actId="1076"/>
+          <ac:chgData name="Thomas O Fredericks" userId="9a40f032a9b16fc7" providerId="LiveId" clId="{50DF5207-F6DE-4AE3-B6D7-98A5A253B28B}" dt="2022-11-10T21:08:31.387" v="229" actId="1076"/>
           <ac:spMkLst>
             <pc:docMk/>
             <pc:sldMk cId="1326960405" sldId="3038"/>
@@ -197,7 +197,7 @@
           </ac:spMkLst>
         </pc:spChg>
         <pc:spChg chg="add mod">
-          <ac:chgData name="Thomas O Fredericks" userId="9a40f032a9b16fc7" providerId="LiveId" clId="{50DF5207-F6DE-4AE3-B6D7-98A5A253B28B}" dt="2022-11-08T14:53:12.718" v="64" actId="688"/>
+          <ac:chgData name="Thomas O Fredericks" userId="9a40f032a9b16fc7" providerId="LiveId" clId="{50DF5207-F6DE-4AE3-B6D7-98A5A253B28B}" dt="2022-11-10T21:08:49.426" v="233" actId="20577"/>
           <ac:spMkLst>
             <pc:docMk/>
             <pc:sldMk cId="1326960405" sldId="3038"/>
@@ -205,11 +205,27 @@
           </ac:spMkLst>
         </pc:spChg>
         <pc:spChg chg="add mod">
-          <ac:chgData name="Thomas O Fredericks" userId="9a40f032a9b16fc7" providerId="LiveId" clId="{50DF5207-F6DE-4AE3-B6D7-98A5A253B28B}" dt="2022-11-08T14:53:21.699" v="68" actId="1076"/>
+          <ac:chgData name="Thomas O Fredericks" userId="9a40f032a9b16fc7" providerId="LiveId" clId="{50DF5207-F6DE-4AE3-B6D7-98A5A253B28B}" dt="2022-11-10T21:08:51.556" v="234" actId="20577"/>
           <ac:spMkLst>
             <pc:docMk/>
             <pc:sldMk cId="1326960405" sldId="3038"/>
             <ac:spMk id="11" creationId="{C4099AA8-F6C2-459A-A649-2811C380C092}"/>
+          </ac:spMkLst>
+        </pc:spChg>
+        <pc:spChg chg="add del mod">
+          <ac:chgData name="Thomas O Fredericks" userId="9a40f032a9b16fc7" providerId="LiveId" clId="{50DF5207-F6DE-4AE3-B6D7-98A5A253B28B}" dt="2022-11-10T21:08:40.306" v="230"/>
+          <ac:spMkLst>
+            <pc:docMk/>
+            <pc:sldMk cId="1326960405" sldId="3038"/>
+            <ac:spMk id="16" creationId="{5EACB262-7498-42C1-A452-C30966DD38B7}"/>
+          </ac:spMkLst>
+        </pc:spChg>
+        <pc:spChg chg="add mod">
+          <ac:chgData name="Thomas O Fredericks" userId="9a40f032a9b16fc7" providerId="LiveId" clId="{50DF5207-F6DE-4AE3-B6D7-98A5A253B28B}" dt="2022-11-10T21:08:47.747" v="232" actId="1076"/>
+          <ac:spMkLst>
+            <pc:docMk/>
+            <pc:sldMk cId="1326960405" sldId="3038"/>
+            <ac:spMk id="17" creationId="{7F147D66-CCB0-422D-99B0-D6A37B2BB1D6}"/>
           </ac:spMkLst>
         </pc:spChg>
         <pc:picChg chg="mod">
@@ -236,6 +252,14 @@
             <ac:picMk id="5" creationId="{F14C2E84-6DC5-4C9C-A93E-CB96E555E26D}"/>
           </ac:picMkLst>
         </pc:picChg>
+        <pc:cxnChg chg="add mod">
+          <ac:chgData name="Thomas O Fredericks" userId="9a40f032a9b16fc7" providerId="LiveId" clId="{50DF5207-F6DE-4AE3-B6D7-98A5A253B28B}" dt="2022-11-10T21:07:16.531" v="214" actId="14100"/>
+          <ac:cxnSpMkLst>
+            <pc:docMk/>
+            <pc:sldMk cId="1326960405" sldId="3038"/>
+            <ac:cxnSpMk id="12" creationId="{1EB39783-9450-4E1F-AC80-8A579C1FDED5}"/>
+          </ac:cxnSpMkLst>
+        </pc:cxnChg>
       </pc:sldChg>
       <pc:sldChg chg="addSp modSp">
         <pc:chgData name="Thomas O Fredericks" userId="9a40f032a9b16fc7" providerId="LiveId" clId="{50DF5207-F6DE-4AE3-B6D7-98A5A253B28B}" dt="2022-11-08T14:54:26.120" v="73" actId="1076"/>
@@ -3383,8 +3407,8 @@
         </p:nvSpPr>
         <p:spPr>
           <a:xfrm>
-            <a:off x="2294312" y="4638503"/>
-            <a:ext cx="4411661" cy="1496290"/>
+            <a:off x="2294312" y="4713315"/>
+            <a:ext cx="4292023" cy="1225895"/>
           </a:xfrm>
           <a:prstGeom prst="roundRect">
             <a:avLst/>
@@ -3547,8 +3571,8 @@
         </p:nvSpPr>
         <p:spPr>
           <a:xfrm>
-            <a:off x="7406609" y="925419"/>
-            <a:ext cx="3857106" cy="307228"/>
+            <a:off x="2511769" y="6091377"/>
+            <a:ext cx="4074565" cy="307228"/>
           </a:xfrm>
           <a:prstGeom prst="roundRect">
             <a:avLst/>
@@ -3651,7 +3675,7 @@
         </p:nvSpPr>
         <p:spPr>
           <a:xfrm>
-            <a:off x="7016608" y="701145"/>
+            <a:off x="2133880" y="6072549"/>
             <a:ext cx="377888" cy="377888"/>
           </a:xfrm>
           <a:prstGeom prst="ellipse">
@@ -3703,7 +3727,7 @@
         </p:nvSpPr>
         <p:spPr>
           <a:xfrm rot="244159">
-            <a:off x="7114807" y="3755549"/>
+            <a:off x="7937767" y="5548391"/>
             <a:ext cx="377888" cy="377888"/>
           </a:xfrm>
           <a:prstGeom prst="ellipse">
@@ -3736,7 +3760,7 @@
             <a:pPr algn="ctr"/>
             <a:r>
               <a:rPr lang="fr-CA" dirty="0"/>
-              <a:t>2</a:t>
+              <a:t>3</a:t>
             </a:r>
           </a:p>
         </p:txBody>
@@ -3755,7 +3779,7 @@
         </p:nvSpPr>
         <p:spPr>
           <a:xfrm rot="244159">
-            <a:off x="1876971" y="4995827"/>
+            <a:off x="2011265" y="4925281"/>
             <a:ext cx="377888" cy="377888"/>
           </a:xfrm>
           <a:prstGeom prst="ellipse">
@@ -3788,7 +3812,339 @@
             <a:pPr algn="ctr"/>
             <a:r>
               <a:rPr lang="fr-CA" dirty="0"/>
-              <a:t>3</a:t>
+              <a:t>4</a:t>
+            </a:r>
+          </a:p>
+        </p:txBody>
+      </p:sp>
+      <p:cxnSp>
+        <p:nvCxnSpPr>
+          <p:cNvPr id="12" name="Connecteur droit avec flèche 11">
+            <a:extLst>
+              <a:ext uri="{FF2B5EF4-FFF2-40B4-BE49-F238E27FC236}">
+                <a16:creationId xmlns:a16="http://schemas.microsoft.com/office/drawing/2014/main" id="{1EB39783-9450-4E1F-AC80-8A579C1FDED5}"/>
+              </a:ext>
+            </a:extLst>
+          </p:cNvPr>
+          <p:cNvCxnSpPr>
+            <a:cxnSpLocks/>
+          </p:cNvCxnSpPr>
+          <p:nvPr/>
+        </p:nvCxnSpPr>
+        <p:spPr>
+          <a:xfrm flipH="1" flipV="1">
+            <a:off x="6705973" y="5253237"/>
+            <a:ext cx="1218862" cy="424356"/>
+          </a:xfrm>
+          <a:prstGeom prst="straightConnector1">
+            <a:avLst/>
+          </a:prstGeom>
+          <a:ln w="57150">
+            <a:tailEnd type="triangle"/>
+          </a:ln>
+        </p:spPr>
+        <p:style>
+          <a:lnRef idx="1">
+            <a:schemeClr val="accent1"/>
+          </a:lnRef>
+          <a:fillRef idx="0">
+            <a:schemeClr val="accent1"/>
+          </a:fillRef>
+          <a:effectRef idx="0">
+            <a:schemeClr val="accent1"/>
+          </a:effectRef>
+          <a:fontRef idx="minor">
+            <a:schemeClr val="tx1"/>
+          </a:fontRef>
+        </p:style>
+      </p:cxnSp>
+      <p:sp>
+        <p:nvSpPr>
+          <p:cNvPr id="16" name="Forme libre : forme 15">
+            <a:extLst>
+              <a:ext uri="{FF2B5EF4-FFF2-40B4-BE49-F238E27FC236}">
+                <a16:creationId xmlns:a16="http://schemas.microsoft.com/office/drawing/2014/main" id="{5EACB262-7498-42C1-A452-C30966DD38B7}"/>
+              </a:ext>
+            </a:extLst>
+          </p:cNvPr>
+          <p:cNvSpPr/>
+          <p:nvPr/>
+        </p:nvSpPr>
+        <p:spPr>
+          <a:xfrm>
+            <a:off x="5810597" y="1970115"/>
+            <a:ext cx="5034548" cy="4543751"/>
+          </a:xfrm>
+          <a:custGeom>
+            <a:avLst/>
+            <a:gdLst>
+              <a:gd name="connsiteX0" fmla="*/ 0 w 8055032"/>
+              <a:gd name="connsiteY0" fmla="*/ 0 h 6161908"/>
+              <a:gd name="connsiteX1" fmla="*/ 631767 w 8055032"/>
+              <a:gd name="connsiteY1" fmla="*/ 1363287 h 6161908"/>
+              <a:gd name="connsiteX2" fmla="*/ 723207 w 8055032"/>
+              <a:gd name="connsiteY2" fmla="*/ 5295207 h 6161908"/>
+              <a:gd name="connsiteX3" fmla="*/ 6159730 w 8055032"/>
+              <a:gd name="connsiteY3" fmla="*/ 5843847 h 6161908"/>
+              <a:gd name="connsiteX4" fmla="*/ 6866312 w 8055032"/>
+              <a:gd name="connsiteY4" fmla="*/ 1321724 h 6161908"/>
+              <a:gd name="connsiteX5" fmla="*/ 8055032 w 8055032"/>
+              <a:gd name="connsiteY5" fmla="*/ 598516 h 6161908"/>
+              <a:gd name="connsiteX0" fmla="*/ 0 w 8055032"/>
+              <a:gd name="connsiteY0" fmla="*/ 0 h 6177655"/>
+              <a:gd name="connsiteX1" fmla="*/ 789709 w 8055032"/>
+              <a:gd name="connsiteY1" fmla="*/ 955963 h 6177655"/>
+              <a:gd name="connsiteX2" fmla="*/ 723207 w 8055032"/>
+              <a:gd name="connsiteY2" fmla="*/ 5295207 h 6177655"/>
+              <a:gd name="connsiteX3" fmla="*/ 6159730 w 8055032"/>
+              <a:gd name="connsiteY3" fmla="*/ 5843847 h 6177655"/>
+              <a:gd name="connsiteX4" fmla="*/ 6866312 w 8055032"/>
+              <a:gd name="connsiteY4" fmla="*/ 1321724 h 6177655"/>
+              <a:gd name="connsiteX5" fmla="*/ 8055032 w 8055032"/>
+              <a:gd name="connsiteY5" fmla="*/ 598516 h 6177655"/>
+              <a:gd name="connsiteX0" fmla="*/ 0 w 8055032"/>
+              <a:gd name="connsiteY0" fmla="*/ 3429 h 6181084"/>
+              <a:gd name="connsiteX1" fmla="*/ 789709 w 8055032"/>
+              <a:gd name="connsiteY1" fmla="*/ 959392 h 6181084"/>
+              <a:gd name="connsiteX2" fmla="*/ 723207 w 8055032"/>
+              <a:gd name="connsiteY2" fmla="*/ 5298636 h 6181084"/>
+              <a:gd name="connsiteX3" fmla="*/ 6159730 w 8055032"/>
+              <a:gd name="connsiteY3" fmla="*/ 5847276 h 6181084"/>
+              <a:gd name="connsiteX4" fmla="*/ 6866312 w 8055032"/>
+              <a:gd name="connsiteY4" fmla="*/ 1325153 h 6181084"/>
+              <a:gd name="connsiteX5" fmla="*/ 8055032 w 8055032"/>
+              <a:gd name="connsiteY5" fmla="*/ 601945 h 6181084"/>
+              <a:gd name="connsiteX0" fmla="*/ 0 w 8055032"/>
+              <a:gd name="connsiteY0" fmla="*/ 1311 h 6169217"/>
+              <a:gd name="connsiteX1" fmla="*/ 839586 w 8055032"/>
+              <a:gd name="connsiteY1" fmla="*/ 1206656 h 6169217"/>
+              <a:gd name="connsiteX2" fmla="*/ 723207 w 8055032"/>
+              <a:gd name="connsiteY2" fmla="*/ 5296518 h 6169217"/>
+              <a:gd name="connsiteX3" fmla="*/ 6159730 w 8055032"/>
+              <a:gd name="connsiteY3" fmla="*/ 5845158 h 6169217"/>
+              <a:gd name="connsiteX4" fmla="*/ 6866312 w 8055032"/>
+              <a:gd name="connsiteY4" fmla="*/ 1323035 h 6169217"/>
+              <a:gd name="connsiteX5" fmla="*/ 8055032 w 8055032"/>
+              <a:gd name="connsiteY5" fmla="*/ 599827 h 6169217"/>
+              <a:gd name="connsiteX0" fmla="*/ 0 w 8055032"/>
+              <a:gd name="connsiteY0" fmla="*/ 1311 h 6081809"/>
+              <a:gd name="connsiteX1" fmla="*/ 839586 w 8055032"/>
+              <a:gd name="connsiteY1" fmla="*/ 1206656 h 6081809"/>
+              <a:gd name="connsiteX2" fmla="*/ 723207 w 8055032"/>
+              <a:gd name="connsiteY2" fmla="*/ 5296518 h 6081809"/>
+              <a:gd name="connsiteX3" fmla="*/ 6176356 w 8055032"/>
+              <a:gd name="connsiteY3" fmla="*/ 5728780 h 6081809"/>
+              <a:gd name="connsiteX4" fmla="*/ 6866312 w 8055032"/>
+              <a:gd name="connsiteY4" fmla="*/ 1323035 h 6081809"/>
+              <a:gd name="connsiteX5" fmla="*/ 8055032 w 8055032"/>
+              <a:gd name="connsiteY5" fmla="*/ 599827 h 6081809"/>
+              <a:gd name="connsiteX0" fmla="*/ 0 w 8055032"/>
+              <a:gd name="connsiteY0" fmla="*/ 1311 h 6033792"/>
+              <a:gd name="connsiteX1" fmla="*/ 839586 w 8055032"/>
+              <a:gd name="connsiteY1" fmla="*/ 1206656 h 6033792"/>
+              <a:gd name="connsiteX2" fmla="*/ 723207 w 8055032"/>
+              <a:gd name="connsiteY2" fmla="*/ 5296518 h 6033792"/>
+              <a:gd name="connsiteX3" fmla="*/ 6059978 w 8055032"/>
+              <a:gd name="connsiteY3" fmla="*/ 5662278 h 6033792"/>
+              <a:gd name="connsiteX4" fmla="*/ 6866312 w 8055032"/>
+              <a:gd name="connsiteY4" fmla="*/ 1323035 h 6033792"/>
+              <a:gd name="connsiteX5" fmla="*/ 8055032 w 8055032"/>
+              <a:gd name="connsiteY5" fmla="*/ 599827 h 6033792"/>
+              <a:gd name="connsiteX0" fmla="*/ 0 w 8055032"/>
+              <a:gd name="connsiteY0" fmla="*/ 1245 h 5985994"/>
+              <a:gd name="connsiteX1" fmla="*/ 839586 w 8055032"/>
+              <a:gd name="connsiteY1" fmla="*/ 1206590 h 5985994"/>
+              <a:gd name="connsiteX2" fmla="*/ 756458 w 8055032"/>
+              <a:gd name="connsiteY2" fmla="*/ 5171761 h 5985994"/>
+              <a:gd name="connsiteX3" fmla="*/ 6059978 w 8055032"/>
+              <a:gd name="connsiteY3" fmla="*/ 5662212 h 5985994"/>
+              <a:gd name="connsiteX4" fmla="*/ 6866312 w 8055032"/>
+              <a:gd name="connsiteY4" fmla="*/ 1322969 h 5985994"/>
+              <a:gd name="connsiteX5" fmla="*/ 8055032 w 8055032"/>
+              <a:gd name="connsiteY5" fmla="*/ 599761 h 5985994"/>
+              <a:gd name="connsiteX0" fmla="*/ 0 w 8055032"/>
+              <a:gd name="connsiteY0" fmla="*/ 1245 h 5990295"/>
+              <a:gd name="connsiteX1" fmla="*/ 839586 w 8055032"/>
+              <a:gd name="connsiteY1" fmla="*/ 1206590 h 5990295"/>
+              <a:gd name="connsiteX2" fmla="*/ 756458 w 8055032"/>
+              <a:gd name="connsiteY2" fmla="*/ 5171761 h 5990295"/>
+              <a:gd name="connsiteX3" fmla="*/ 6059978 w 8055032"/>
+              <a:gd name="connsiteY3" fmla="*/ 5662212 h 5990295"/>
+              <a:gd name="connsiteX4" fmla="*/ 6733309 w 8055032"/>
+              <a:gd name="connsiteY4" fmla="*/ 1264780 h 5990295"/>
+              <a:gd name="connsiteX5" fmla="*/ 8055032 w 8055032"/>
+              <a:gd name="connsiteY5" fmla="*/ 599761 h 5990295"/>
+              <a:gd name="connsiteX0" fmla="*/ 0 w 8229600"/>
+              <a:gd name="connsiteY0" fmla="*/ 1245 h 5990295"/>
+              <a:gd name="connsiteX1" fmla="*/ 839586 w 8229600"/>
+              <a:gd name="connsiteY1" fmla="*/ 1206590 h 5990295"/>
+              <a:gd name="connsiteX2" fmla="*/ 756458 w 8229600"/>
+              <a:gd name="connsiteY2" fmla="*/ 5171761 h 5990295"/>
+              <a:gd name="connsiteX3" fmla="*/ 6059978 w 8229600"/>
+              <a:gd name="connsiteY3" fmla="*/ 5662212 h 5990295"/>
+              <a:gd name="connsiteX4" fmla="*/ 6733309 w 8229600"/>
+              <a:gd name="connsiteY4" fmla="*/ 1264780 h 5990295"/>
+              <a:gd name="connsiteX5" fmla="*/ 8229600 w 8229600"/>
+              <a:gd name="connsiteY5" fmla="*/ 649637 h 5990295"/>
+              <a:gd name="connsiteX0" fmla="*/ 0 w 8229600"/>
+              <a:gd name="connsiteY0" fmla="*/ 1550 h 5662517"/>
+              <a:gd name="connsiteX1" fmla="*/ 839586 w 8229600"/>
+              <a:gd name="connsiteY1" fmla="*/ 1206895 h 5662517"/>
+              <a:gd name="connsiteX2" fmla="*/ 6059978 w 8229600"/>
+              <a:gd name="connsiteY2" fmla="*/ 5662517 h 5662517"/>
+              <a:gd name="connsiteX3" fmla="*/ 6733309 w 8229600"/>
+              <a:gd name="connsiteY3" fmla="*/ 1265085 h 5662517"/>
+              <a:gd name="connsiteX4" fmla="*/ 8229600 w 8229600"/>
+              <a:gd name="connsiteY4" fmla="*/ 649942 h 5662517"/>
+              <a:gd name="connsiteX0" fmla="*/ 0 w 8229600"/>
+              <a:gd name="connsiteY0" fmla="*/ 475 h 1348695"/>
+              <a:gd name="connsiteX1" fmla="*/ 839586 w 8229600"/>
+              <a:gd name="connsiteY1" fmla="*/ 1205820 h 1348695"/>
+              <a:gd name="connsiteX2" fmla="*/ 6733309 w 8229600"/>
+              <a:gd name="connsiteY2" fmla="*/ 1264010 h 1348695"/>
+              <a:gd name="connsiteX3" fmla="*/ 8229600 w 8229600"/>
+              <a:gd name="connsiteY3" fmla="*/ 648867 h 1348695"/>
+              <a:gd name="connsiteX0" fmla="*/ 0 w 8229600"/>
+              <a:gd name="connsiteY0" fmla="*/ 433 h 1205778"/>
+              <a:gd name="connsiteX1" fmla="*/ 839586 w 8229600"/>
+              <a:gd name="connsiteY1" fmla="*/ 1205778 h 1205778"/>
+              <a:gd name="connsiteX2" fmla="*/ 8229600 w 8229600"/>
+              <a:gd name="connsiteY2" fmla="*/ 648825 h 1205778"/>
+              <a:gd name="connsiteX0" fmla="*/ 0 w 8229600"/>
+              <a:gd name="connsiteY0" fmla="*/ 176 h 2868066"/>
+              <a:gd name="connsiteX1" fmla="*/ 6874626 w 8229600"/>
+              <a:gd name="connsiteY1" fmla="*/ 2868066 h 2868066"/>
+              <a:gd name="connsiteX2" fmla="*/ 8229600 w 8229600"/>
+              <a:gd name="connsiteY2" fmla="*/ 648568 h 2868066"/>
+              <a:gd name="connsiteX0" fmla="*/ 0 w 4048298"/>
+              <a:gd name="connsiteY0" fmla="*/ 4854633 h 4854633"/>
+              <a:gd name="connsiteX1" fmla="*/ 2693324 w 4048298"/>
+              <a:gd name="connsiteY1" fmla="*/ 2219498 h 4854633"/>
+              <a:gd name="connsiteX2" fmla="*/ 4048298 w 4048298"/>
+              <a:gd name="connsiteY2" fmla="*/ 0 h 4854633"/>
+              <a:gd name="connsiteX0" fmla="*/ 0 w 5069450"/>
+              <a:gd name="connsiteY0" fmla="*/ 4854633 h 5141819"/>
+              <a:gd name="connsiteX1" fmla="*/ 4929448 w 5069450"/>
+              <a:gd name="connsiteY1" fmla="*/ 4763193 h 5141819"/>
+              <a:gd name="connsiteX2" fmla="*/ 4048298 w 5069450"/>
+              <a:gd name="connsiteY2" fmla="*/ 0 h 5141819"/>
+              <a:gd name="connsiteX0" fmla="*/ 0 w 5034548"/>
+              <a:gd name="connsiteY0" fmla="*/ 4297680 h 4543751"/>
+              <a:gd name="connsiteX1" fmla="*/ 4929448 w 5034548"/>
+              <a:gd name="connsiteY1" fmla="*/ 4206240 h 4543751"/>
+              <a:gd name="connsiteX2" fmla="*/ 3690850 w 5034548"/>
+              <a:gd name="connsiteY2" fmla="*/ 0 h 4543751"/>
+            </a:gdLst>
+            <a:ahLst/>
+            <a:cxnLst>
+              <a:cxn ang="0">
+                <a:pos x="connsiteX0" y="connsiteY0"/>
+              </a:cxn>
+              <a:cxn ang="0">
+                <a:pos x="connsiteX1" y="connsiteY1"/>
+              </a:cxn>
+              <a:cxn ang="0">
+                <a:pos x="connsiteX2" y="connsiteY2"/>
+              </a:cxn>
+            </a:cxnLst>
+            <a:rect l="l" t="t" r="r" b="b"/>
+            <a:pathLst>
+              <a:path w="5034548" h="4543751">
+                <a:moveTo>
+                  <a:pt x="0" y="4297680"/>
+                </a:moveTo>
+                <a:cubicBezTo>
+                  <a:pt x="471746" y="4272049"/>
+                  <a:pt x="4314306" y="4922520"/>
+                  <a:pt x="4929448" y="4206240"/>
+                </a:cubicBezTo>
+                <a:cubicBezTo>
+                  <a:pt x="5544590" y="3489960"/>
+                  <a:pt x="3239192" y="739833"/>
+                  <a:pt x="3690850" y="0"/>
+                </a:cubicBezTo>
+              </a:path>
+            </a:pathLst>
+          </a:custGeom>
+          <a:noFill/>
+          <a:ln w="57150">
+            <a:headEnd type="none" w="med" len="med"/>
+            <a:tailEnd type="triangle" w="med" len="med"/>
+          </a:ln>
+        </p:spPr>
+        <p:style>
+          <a:lnRef idx="2">
+            <a:schemeClr val="accent1">
+              <a:shade val="50000"/>
+            </a:schemeClr>
+          </a:lnRef>
+          <a:fillRef idx="1">
+            <a:schemeClr val="accent1"/>
+          </a:fillRef>
+          <a:effectRef idx="0">
+            <a:schemeClr val="accent1"/>
+          </a:effectRef>
+          <a:fontRef idx="minor">
+            <a:schemeClr val="lt1"/>
+          </a:fontRef>
+        </p:style>
+        <p:txBody>
+          <a:bodyPr rtlCol="0" anchor="ctr"/>
+          <a:lstStyle/>
+          <a:p>
+            <a:pPr algn="ctr"/>
+            <a:endParaRPr lang="fr-CA"/>
+          </a:p>
+        </p:txBody>
+      </p:sp>
+      <p:sp>
+        <p:nvSpPr>
+          <p:cNvPr id="17" name="Ellipse 16">
+            <a:extLst>
+              <a:ext uri="{FF2B5EF4-FFF2-40B4-BE49-F238E27FC236}">
+                <a16:creationId xmlns:a16="http://schemas.microsoft.com/office/drawing/2014/main" id="{7F147D66-CCB0-422D-99B0-D6A37B2BB1D6}"/>
+              </a:ext>
+            </a:extLst>
+          </p:cNvPr>
+          <p:cNvSpPr/>
+          <p:nvPr/>
+        </p:nvSpPr>
+        <p:spPr>
+          <a:xfrm rot="244159">
+            <a:off x="9604027" y="1983047"/>
+            <a:ext cx="377888" cy="377888"/>
+          </a:xfrm>
+          <a:prstGeom prst="ellipse">
+            <a:avLst/>
+          </a:prstGeom>
+          <a:ln>
+            <a:noFill/>
+          </a:ln>
+        </p:spPr>
+        <p:style>
+          <a:lnRef idx="2">
+            <a:schemeClr val="accent1">
+              <a:shade val="50000"/>
+            </a:schemeClr>
+          </a:lnRef>
+          <a:fillRef idx="1">
+            <a:schemeClr val="accent1"/>
+          </a:fillRef>
+          <a:effectRef idx="0">
+            <a:schemeClr val="accent1"/>
+          </a:effectRef>
+          <a:fontRef idx="minor">
+            <a:schemeClr val="lt1"/>
+          </a:fontRef>
+        </p:style>
+        <p:txBody>
+          <a:bodyPr rtlCol="0" anchor="ctr"/>
+          <a:lstStyle/>
+          <a:p>
+            <a:pPr algn="ctr"/>
+            <a:r>
+              <a:rPr lang="fr-CA" dirty="0"/>
+              <a:t>2</a:t>
             </a:r>
           </a:p>
         </p:txBody>

--- a/rel-unity-src/xr_scene/xr_scene.pptx
+++ b/rel-unity-src/xr_scene/xr_scene.pptx
@@ -121,7 +121,7 @@
 <file path=ppt/revisionInfo.xml><?xml version="1.0" encoding="utf-8"?>
 <p1510:revInfo xmlns:a="http://schemas.openxmlformats.org/drawingml/2006/main" xmlns:r="http://schemas.openxmlformats.org/officeDocument/2006/relationships" xmlns:p1510="http://schemas.microsoft.com/office/powerpoint/2015/10/main">
   <p1510:revLst>
-    <p1510:client id="{50DF5207-F6DE-4AE3-B6D7-98A5A253B28B}" v="52" dt="2022-11-10T21:08:45.105"/>
+    <p1510:client id="{50DF5207-F6DE-4AE3-B6D7-98A5A253B28B}" v="57" dt="2022-11-10T22:04:02.256"/>
   </p1510:revLst>
 </p1510:revInfo>
 </file>
@@ -131,7 +131,7 @@
   <pc:docChgLst>
     <pc:chgData name="Thomas O Fredericks" userId="9a40f032a9b16fc7" providerId="LiveId" clId="{50DF5207-F6DE-4AE3-B6D7-98A5A253B28B}"/>
     <pc:docChg chg="undo custSel addSld modSld">
-      <pc:chgData name="Thomas O Fredericks" userId="9a40f032a9b16fc7" providerId="LiveId" clId="{50DF5207-F6DE-4AE3-B6D7-98A5A253B28B}" dt="2022-11-10T21:08:51.556" v="234" actId="20577"/>
+      <pc:chgData name="Thomas O Fredericks" userId="9a40f032a9b16fc7" providerId="LiveId" clId="{50DF5207-F6DE-4AE3-B6D7-98A5A253B28B}" dt="2022-11-10T22:04:10.445" v="250" actId="478"/>
       <pc:docMkLst>
         <pc:docMk/>
       </pc:docMkLst>
@@ -149,6 +149,61 @@
             <ac:picMk id="2" creationId="{614E862F-1D1B-4A3D-90E1-85204D3BB6D4}"/>
           </ac:picMkLst>
         </pc:picChg>
+      </pc:sldChg>
+      <pc:sldChg chg="addSp delSp modSp">
+        <pc:chgData name="Thomas O Fredericks" userId="9a40f032a9b16fc7" providerId="LiveId" clId="{50DF5207-F6DE-4AE3-B6D7-98A5A253B28B}" dt="2022-11-10T22:04:10.445" v="250" actId="478"/>
+        <pc:sldMkLst>
+          <pc:docMk/>
+          <pc:sldMk cId="3605011840" sldId="3037"/>
+        </pc:sldMkLst>
+        <pc:spChg chg="del">
+          <ac:chgData name="Thomas O Fredericks" userId="9a40f032a9b16fc7" providerId="LiveId" clId="{50DF5207-F6DE-4AE3-B6D7-98A5A253B28B}" dt="2022-11-10T22:02:42.143" v="237" actId="478"/>
+          <ac:spMkLst>
+            <pc:docMk/>
+            <pc:sldMk cId="3605011840" sldId="3037"/>
+            <ac:spMk id="2" creationId="{EA0DE02F-A938-4D38-B2BA-6A63CAD1F355}"/>
+          </ac:spMkLst>
+        </pc:spChg>
+        <pc:spChg chg="add mod">
+          <ac:chgData name="Thomas O Fredericks" userId="9a40f032a9b16fc7" providerId="LiveId" clId="{50DF5207-F6DE-4AE3-B6D7-98A5A253B28B}" dt="2022-11-10T22:02:40.312" v="236" actId="1076"/>
+          <ac:spMkLst>
+            <pc:docMk/>
+            <pc:sldMk cId="3605011840" sldId="3037"/>
+            <ac:spMk id="5" creationId="{193EFCEE-447D-47F6-9DA6-CD4178666B56}"/>
+          </ac:spMkLst>
+        </pc:spChg>
+        <pc:spChg chg="add mod">
+          <ac:chgData name="Thomas O Fredericks" userId="9a40f032a9b16fc7" providerId="LiveId" clId="{50DF5207-F6DE-4AE3-B6D7-98A5A253B28B}" dt="2022-11-10T22:03:01.390" v="243" actId="14100"/>
+          <ac:spMkLst>
+            <pc:docMk/>
+            <pc:sldMk cId="3605011840" sldId="3037"/>
+            <ac:spMk id="9" creationId="{14DD1C5D-BF0E-4B85-9D7E-13BA6B54BCCB}"/>
+          </ac:spMkLst>
+        </pc:spChg>
+        <pc:spChg chg="add mod">
+          <ac:chgData name="Thomas O Fredericks" userId="9a40f032a9b16fc7" providerId="LiveId" clId="{50DF5207-F6DE-4AE3-B6D7-98A5A253B28B}" dt="2022-11-10T22:03:03.982" v="245" actId="1076"/>
+          <ac:spMkLst>
+            <pc:docMk/>
+            <pc:sldMk cId="3605011840" sldId="3037"/>
+            <ac:spMk id="10" creationId="{31AF7653-772C-4759-BEA7-12B7091F612B}"/>
+          </ac:spMkLst>
+        </pc:spChg>
+        <pc:spChg chg="add del mod">
+          <ac:chgData name="Thomas O Fredericks" userId="9a40f032a9b16fc7" providerId="LiveId" clId="{50DF5207-F6DE-4AE3-B6D7-98A5A253B28B}" dt="2022-11-10T22:04:10.445" v="250" actId="478"/>
+          <ac:spMkLst>
+            <pc:docMk/>
+            <pc:sldMk cId="3605011840" sldId="3037"/>
+            <ac:spMk id="11" creationId="{11B78403-9CA2-436E-9A0D-B24F70CB5104}"/>
+          </ac:spMkLst>
+        </pc:spChg>
+        <pc:cxnChg chg="add mod">
+          <ac:chgData name="Thomas O Fredericks" userId="9a40f032a9b16fc7" providerId="LiveId" clId="{50DF5207-F6DE-4AE3-B6D7-98A5A253B28B}" dt="2022-11-10T22:02:52.310" v="240" actId="14100"/>
+          <ac:cxnSpMkLst>
+            <pc:docMk/>
+            <pc:sldMk cId="3605011840" sldId="3037"/>
+            <ac:cxnSpMk id="6" creationId="{5521C811-4656-4858-9C34-50B290B2E15F}"/>
+          </ac:cxnSpMkLst>
+        </pc:cxnChg>
       </pc:sldChg>
       <pc:sldChg chg="addSp delSp modSp">
         <pc:chgData name="Thomas O Fredericks" userId="9a40f032a9b16fc7" providerId="LiveId" clId="{50DF5207-F6DE-4AE3-B6D7-98A5A253B28B}" dt="2022-11-10T21:08:51.556" v="234" actId="20577"/>
@@ -4241,10 +4296,10 @@
       </p:pic>
       <p:sp>
         <p:nvSpPr>
-          <p:cNvPr id="2" name="Forme libre : forme 1">
+          <p:cNvPr id="5" name="Ellipse 4">
             <a:extLst>
               <a:ext uri="{FF2B5EF4-FFF2-40B4-BE49-F238E27FC236}">
-                <a16:creationId xmlns:a16="http://schemas.microsoft.com/office/drawing/2014/main" id="{EA0DE02F-A938-4D38-B2BA-6A63CAD1F355}"/>
+                <a16:creationId xmlns:a16="http://schemas.microsoft.com/office/drawing/2014/main" id="{193EFCEE-447D-47F6-9DA6-CD4178666B56}"/>
               </a:ext>
             </a:extLst>
           </p:cNvPr>
@@ -4253,180 +4308,162 @@
         </p:nvSpPr>
         <p:spPr>
           <a:xfrm>
-            <a:off x="1629295" y="763525"/>
-            <a:ext cx="8229600" cy="5990295"/>
-          </a:xfrm>
-          <a:custGeom>
+            <a:off x="1535363" y="574581"/>
+            <a:ext cx="377888" cy="377888"/>
+          </a:xfrm>
+          <a:prstGeom prst="ellipse">
             <a:avLst/>
-            <a:gdLst>
-              <a:gd name="connsiteX0" fmla="*/ 0 w 8055032"/>
-              <a:gd name="connsiteY0" fmla="*/ 0 h 6161908"/>
-              <a:gd name="connsiteX1" fmla="*/ 631767 w 8055032"/>
-              <a:gd name="connsiteY1" fmla="*/ 1363287 h 6161908"/>
-              <a:gd name="connsiteX2" fmla="*/ 723207 w 8055032"/>
-              <a:gd name="connsiteY2" fmla="*/ 5295207 h 6161908"/>
-              <a:gd name="connsiteX3" fmla="*/ 6159730 w 8055032"/>
-              <a:gd name="connsiteY3" fmla="*/ 5843847 h 6161908"/>
-              <a:gd name="connsiteX4" fmla="*/ 6866312 w 8055032"/>
-              <a:gd name="connsiteY4" fmla="*/ 1321724 h 6161908"/>
-              <a:gd name="connsiteX5" fmla="*/ 8055032 w 8055032"/>
-              <a:gd name="connsiteY5" fmla="*/ 598516 h 6161908"/>
-              <a:gd name="connsiteX0" fmla="*/ 0 w 8055032"/>
-              <a:gd name="connsiteY0" fmla="*/ 0 h 6177655"/>
-              <a:gd name="connsiteX1" fmla="*/ 789709 w 8055032"/>
-              <a:gd name="connsiteY1" fmla="*/ 955963 h 6177655"/>
-              <a:gd name="connsiteX2" fmla="*/ 723207 w 8055032"/>
-              <a:gd name="connsiteY2" fmla="*/ 5295207 h 6177655"/>
-              <a:gd name="connsiteX3" fmla="*/ 6159730 w 8055032"/>
-              <a:gd name="connsiteY3" fmla="*/ 5843847 h 6177655"/>
-              <a:gd name="connsiteX4" fmla="*/ 6866312 w 8055032"/>
-              <a:gd name="connsiteY4" fmla="*/ 1321724 h 6177655"/>
-              <a:gd name="connsiteX5" fmla="*/ 8055032 w 8055032"/>
-              <a:gd name="connsiteY5" fmla="*/ 598516 h 6177655"/>
-              <a:gd name="connsiteX0" fmla="*/ 0 w 8055032"/>
-              <a:gd name="connsiteY0" fmla="*/ 3429 h 6181084"/>
-              <a:gd name="connsiteX1" fmla="*/ 789709 w 8055032"/>
-              <a:gd name="connsiteY1" fmla="*/ 959392 h 6181084"/>
-              <a:gd name="connsiteX2" fmla="*/ 723207 w 8055032"/>
-              <a:gd name="connsiteY2" fmla="*/ 5298636 h 6181084"/>
-              <a:gd name="connsiteX3" fmla="*/ 6159730 w 8055032"/>
-              <a:gd name="connsiteY3" fmla="*/ 5847276 h 6181084"/>
-              <a:gd name="connsiteX4" fmla="*/ 6866312 w 8055032"/>
-              <a:gd name="connsiteY4" fmla="*/ 1325153 h 6181084"/>
-              <a:gd name="connsiteX5" fmla="*/ 8055032 w 8055032"/>
-              <a:gd name="connsiteY5" fmla="*/ 601945 h 6181084"/>
-              <a:gd name="connsiteX0" fmla="*/ 0 w 8055032"/>
-              <a:gd name="connsiteY0" fmla="*/ 1311 h 6169217"/>
-              <a:gd name="connsiteX1" fmla="*/ 839586 w 8055032"/>
-              <a:gd name="connsiteY1" fmla="*/ 1206656 h 6169217"/>
-              <a:gd name="connsiteX2" fmla="*/ 723207 w 8055032"/>
-              <a:gd name="connsiteY2" fmla="*/ 5296518 h 6169217"/>
-              <a:gd name="connsiteX3" fmla="*/ 6159730 w 8055032"/>
-              <a:gd name="connsiteY3" fmla="*/ 5845158 h 6169217"/>
-              <a:gd name="connsiteX4" fmla="*/ 6866312 w 8055032"/>
-              <a:gd name="connsiteY4" fmla="*/ 1323035 h 6169217"/>
-              <a:gd name="connsiteX5" fmla="*/ 8055032 w 8055032"/>
-              <a:gd name="connsiteY5" fmla="*/ 599827 h 6169217"/>
-              <a:gd name="connsiteX0" fmla="*/ 0 w 8055032"/>
-              <a:gd name="connsiteY0" fmla="*/ 1311 h 6081809"/>
-              <a:gd name="connsiteX1" fmla="*/ 839586 w 8055032"/>
-              <a:gd name="connsiteY1" fmla="*/ 1206656 h 6081809"/>
-              <a:gd name="connsiteX2" fmla="*/ 723207 w 8055032"/>
-              <a:gd name="connsiteY2" fmla="*/ 5296518 h 6081809"/>
-              <a:gd name="connsiteX3" fmla="*/ 6176356 w 8055032"/>
-              <a:gd name="connsiteY3" fmla="*/ 5728780 h 6081809"/>
-              <a:gd name="connsiteX4" fmla="*/ 6866312 w 8055032"/>
-              <a:gd name="connsiteY4" fmla="*/ 1323035 h 6081809"/>
-              <a:gd name="connsiteX5" fmla="*/ 8055032 w 8055032"/>
-              <a:gd name="connsiteY5" fmla="*/ 599827 h 6081809"/>
-              <a:gd name="connsiteX0" fmla="*/ 0 w 8055032"/>
-              <a:gd name="connsiteY0" fmla="*/ 1311 h 6033792"/>
-              <a:gd name="connsiteX1" fmla="*/ 839586 w 8055032"/>
-              <a:gd name="connsiteY1" fmla="*/ 1206656 h 6033792"/>
-              <a:gd name="connsiteX2" fmla="*/ 723207 w 8055032"/>
-              <a:gd name="connsiteY2" fmla="*/ 5296518 h 6033792"/>
-              <a:gd name="connsiteX3" fmla="*/ 6059978 w 8055032"/>
-              <a:gd name="connsiteY3" fmla="*/ 5662278 h 6033792"/>
-              <a:gd name="connsiteX4" fmla="*/ 6866312 w 8055032"/>
-              <a:gd name="connsiteY4" fmla="*/ 1323035 h 6033792"/>
-              <a:gd name="connsiteX5" fmla="*/ 8055032 w 8055032"/>
-              <a:gd name="connsiteY5" fmla="*/ 599827 h 6033792"/>
-              <a:gd name="connsiteX0" fmla="*/ 0 w 8055032"/>
-              <a:gd name="connsiteY0" fmla="*/ 1245 h 5985994"/>
-              <a:gd name="connsiteX1" fmla="*/ 839586 w 8055032"/>
-              <a:gd name="connsiteY1" fmla="*/ 1206590 h 5985994"/>
-              <a:gd name="connsiteX2" fmla="*/ 756458 w 8055032"/>
-              <a:gd name="connsiteY2" fmla="*/ 5171761 h 5985994"/>
-              <a:gd name="connsiteX3" fmla="*/ 6059978 w 8055032"/>
-              <a:gd name="connsiteY3" fmla="*/ 5662212 h 5985994"/>
-              <a:gd name="connsiteX4" fmla="*/ 6866312 w 8055032"/>
-              <a:gd name="connsiteY4" fmla="*/ 1322969 h 5985994"/>
-              <a:gd name="connsiteX5" fmla="*/ 8055032 w 8055032"/>
-              <a:gd name="connsiteY5" fmla="*/ 599761 h 5985994"/>
-              <a:gd name="connsiteX0" fmla="*/ 0 w 8055032"/>
-              <a:gd name="connsiteY0" fmla="*/ 1245 h 5990295"/>
-              <a:gd name="connsiteX1" fmla="*/ 839586 w 8055032"/>
-              <a:gd name="connsiteY1" fmla="*/ 1206590 h 5990295"/>
-              <a:gd name="connsiteX2" fmla="*/ 756458 w 8055032"/>
-              <a:gd name="connsiteY2" fmla="*/ 5171761 h 5990295"/>
-              <a:gd name="connsiteX3" fmla="*/ 6059978 w 8055032"/>
-              <a:gd name="connsiteY3" fmla="*/ 5662212 h 5990295"/>
-              <a:gd name="connsiteX4" fmla="*/ 6733309 w 8055032"/>
-              <a:gd name="connsiteY4" fmla="*/ 1264780 h 5990295"/>
-              <a:gd name="connsiteX5" fmla="*/ 8055032 w 8055032"/>
-              <a:gd name="connsiteY5" fmla="*/ 599761 h 5990295"/>
-              <a:gd name="connsiteX0" fmla="*/ 0 w 8229600"/>
-              <a:gd name="connsiteY0" fmla="*/ 1245 h 5990295"/>
-              <a:gd name="connsiteX1" fmla="*/ 839586 w 8229600"/>
-              <a:gd name="connsiteY1" fmla="*/ 1206590 h 5990295"/>
-              <a:gd name="connsiteX2" fmla="*/ 756458 w 8229600"/>
-              <a:gd name="connsiteY2" fmla="*/ 5171761 h 5990295"/>
-              <a:gd name="connsiteX3" fmla="*/ 6059978 w 8229600"/>
-              <a:gd name="connsiteY3" fmla="*/ 5662212 h 5990295"/>
-              <a:gd name="connsiteX4" fmla="*/ 6733309 w 8229600"/>
-              <a:gd name="connsiteY4" fmla="*/ 1264780 h 5990295"/>
-              <a:gd name="connsiteX5" fmla="*/ 8229600 w 8229600"/>
-              <a:gd name="connsiteY5" fmla="*/ 649637 h 5990295"/>
-            </a:gdLst>
-            <a:ahLst/>
-            <a:cxnLst>
-              <a:cxn ang="0">
-                <a:pos x="connsiteX0" y="connsiteY0"/>
-              </a:cxn>
-              <a:cxn ang="0">
-                <a:pos x="connsiteX1" y="connsiteY1"/>
-              </a:cxn>
-              <a:cxn ang="0">
-                <a:pos x="connsiteX2" y="connsiteY2"/>
-              </a:cxn>
-              <a:cxn ang="0">
-                <a:pos x="connsiteX3" y="connsiteY3"/>
-              </a:cxn>
-              <a:cxn ang="0">
-                <a:pos x="connsiteX4" y="connsiteY4"/>
-              </a:cxn>
-              <a:cxn ang="0">
-                <a:pos x="connsiteX5" y="connsiteY5"/>
-              </a:cxn>
-            </a:cxnLst>
-            <a:rect l="l" t="t" r="r" b="b"/>
-            <a:pathLst>
-              <a:path w="8229600" h="5990295">
-                <a:moveTo>
-                  <a:pt x="0" y="1245"/>
-                </a:moveTo>
-                <a:cubicBezTo>
-                  <a:pt x="471746" y="-24386"/>
-                  <a:pt x="713510" y="344837"/>
-                  <a:pt x="839586" y="1206590"/>
-                </a:cubicBezTo>
-                <a:cubicBezTo>
-                  <a:pt x="965662" y="2068343"/>
-                  <a:pt x="-113607" y="4429157"/>
-                  <a:pt x="756458" y="5171761"/>
-                </a:cubicBezTo>
-                <a:cubicBezTo>
-                  <a:pt x="1626523" y="5914365"/>
-                  <a:pt x="5063836" y="6313376"/>
-                  <a:pt x="6059978" y="5662212"/>
-                </a:cubicBezTo>
-                <a:cubicBezTo>
-                  <a:pt x="7056120" y="5011048"/>
-                  <a:pt x="6371705" y="2100209"/>
-                  <a:pt x="6733309" y="1264780"/>
-                </a:cubicBezTo>
-                <a:cubicBezTo>
-                  <a:pt x="7094913" y="429351"/>
-                  <a:pt x="7793182" y="574130"/>
-                  <a:pt x="8229600" y="649637"/>
-                </a:cubicBezTo>
-              </a:path>
-            </a:pathLst>
-          </a:custGeom>
+          </a:prstGeom>
+          <a:ln>
+            <a:noFill/>
+          </a:ln>
+        </p:spPr>
+        <p:style>
+          <a:lnRef idx="2">
+            <a:schemeClr val="accent1">
+              <a:shade val="50000"/>
+            </a:schemeClr>
+          </a:lnRef>
+          <a:fillRef idx="1">
+            <a:schemeClr val="accent1"/>
+          </a:fillRef>
+          <a:effectRef idx="0">
+            <a:schemeClr val="accent1"/>
+          </a:effectRef>
+          <a:fontRef idx="minor">
+            <a:schemeClr val="lt1"/>
+          </a:fontRef>
+        </p:style>
+        <p:txBody>
+          <a:bodyPr rtlCol="0" anchor="ctr"/>
+          <a:lstStyle/>
+          <a:p>
+            <a:pPr algn="ctr"/>
+            <a:r>
+              <a:rPr lang="fr-CA" dirty="0"/>
+              <a:t>1</a:t>
+            </a:r>
+          </a:p>
+        </p:txBody>
+      </p:sp>
+      <p:cxnSp>
+        <p:nvCxnSpPr>
+          <p:cNvPr id="6" name="Connecteur droit avec flèche 5">
+            <a:extLst>
+              <a:ext uri="{FF2B5EF4-FFF2-40B4-BE49-F238E27FC236}">
+                <a16:creationId xmlns:a16="http://schemas.microsoft.com/office/drawing/2014/main" id="{5521C811-4656-4858-9C34-50B290B2E15F}"/>
+              </a:ext>
+            </a:extLst>
+          </p:cNvPr>
+          <p:cNvCxnSpPr>
+            <a:cxnSpLocks/>
+          </p:cNvCxnSpPr>
+          <p:nvPr/>
+        </p:nvCxnSpPr>
+        <p:spPr>
+          <a:xfrm>
+            <a:off x="2011680" y="773084"/>
+            <a:ext cx="457200" cy="108065"/>
+          </a:xfrm>
+          <a:prstGeom prst="straightConnector1">
+            <a:avLst/>
+          </a:prstGeom>
+          <a:ln w="57150">
+            <a:tailEnd type="triangle"/>
+          </a:ln>
+        </p:spPr>
+        <p:style>
+          <a:lnRef idx="1">
+            <a:schemeClr val="accent1"/>
+          </a:lnRef>
+          <a:fillRef idx="0">
+            <a:schemeClr val="accent1"/>
+          </a:fillRef>
+          <a:effectRef idx="0">
+            <a:schemeClr val="accent1"/>
+          </a:effectRef>
+          <a:fontRef idx="minor">
+            <a:schemeClr val="tx1"/>
+          </a:fontRef>
+        </p:style>
+      </p:cxnSp>
+      <p:sp>
+        <p:nvSpPr>
+          <p:cNvPr id="9" name="Rectangle : coins arrondis 8">
+            <a:extLst>
+              <a:ext uri="{FF2B5EF4-FFF2-40B4-BE49-F238E27FC236}">
+                <a16:creationId xmlns:a16="http://schemas.microsoft.com/office/drawing/2014/main" id="{14DD1C5D-BF0E-4B85-9D7E-13BA6B54BCCB}"/>
+              </a:ext>
+            </a:extLst>
+          </p:cNvPr>
+          <p:cNvSpPr/>
+          <p:nvPr/>
+        </p:nvSpPr>
+        <p:spPr>
+          <a:xfrm>
+            <a:off x="2468880" y="5045761"/>
+            <a:ext cx="2344189" cy="307228"/>
+          </a:xfrm>
+          <a:prstGeom prst="roundRect">
+            <a:avLst/>
+          </a:prstGeom>
           <a:noFill/>
-          <a:ln w="57150">
-            <a:headEnd type="none" w="med" len="med"/>
-            <a:tailEnd type="triangle" w="med" len="med"/>
+          <a:ln w="38100">
+            <a:solidFill>
+              <a:schemeClr val="accent1"/>
+            </a:solidFill>
+          </a:ln>
+        </p:spPr>
+        <p:style>
+          <a:lnRef idx="2">
+            <a:schemeClr val="accent1">
+              <a:shade val="50000"/>
+            </a:schemeClr>
+          </a:lnRef>
+          <a:fillRef idx="1">
+            <a:schemeClr val="accent1"/>
+          </a:fillRef>
+          <a:effectRef idx="0">
+            <a:schemeClr val="accent1"/>
+          </a:effectRef>
+          <a:fontRef idx="minor">
+            <a:schemeClr val="lt1"/>
+          </a:fontRef>
+        </p:style>
+        <p:txBody>
+          <a:bodyPr rtlCol="0" anchor="ctr"/>
+          <a:lstStyle/>
+          <a:p>
+            <a:pPr algn="ctr"/>
+            <a:endParaRPr lang="fr-CA"/>
+          </a:p>
+        </p:txBody>
+      </p:sp>
+      <p:sp>
+        <p:nvSpPr>
+          <p:cNvPr id="10" name="Rectangle : coins arrondis 9">
+            <a:extLst>
+              <a:ext uri="{FF2B5EF4-FFF2-40B4-BE49-F238E27FC236}">
+                <a16:creationId xmlns:a16="http://schemas.microsoft.com/office/drawing/2014/main" id="{31AF7653-772C-4759-BEA7-12B7091F612B}"/>
+              </a:ext>
+            </a:extLst>
+          </p:cNvPr>
+          <p:cNvSpPr/>
+          <p:nvPr/>
+        </p:nvSpPr>
+        <p:spPr>
+          <a:xfrm>
+            <a:off x="4813069" y="6303753"/>
+            <a:ext cx="2344189" cy="307228"/>
+          </a:xfrm>
+          <a:prstGeom prst="roundRect">
+            <a:avLst/>
+          </a:prstGeom>
+          <a:noFill/>
+          <a:ln w="38100">
+            <a:solidFill>
+              <a:schemeClr val="accent1"/>
+            </a:solidFill>
           </a:ln>
         </p:spPr>
         <p:style>
